--- a/ppt/Jupyter-Notebooks-101.pptx
+++ b/ppt/Jupyter-Notebooks-101.pptx
@@ -5,10 +5,10 @@
     <p:sldMasterId id="2147483648" r:id="rId1"/>
   </p:sldMasterIdLst>
   <p:notesMasterIdLst>
-    <p:notesMasterId r:id="rId23"/>
+    <p:notesMasterId r:id="rId25"/>
   </p:notesMasterIdLst>
   <p:handoutMasterIdLst>
-    <p:handoutMasterId r:id="rId24"/>
+    <p:handoutMasterId r:id="rId26"/>
   </p:handoutMasterIdLst>
   <p:sldIdLst>
     <p:sldId id="295" r:id="rId2"/>
@@ -32,6 +32,8 @@
     <p:sldId id="309" r:id="rId20"/>
     <p:sldId id="319" r:id="rId21"/>
     <p:sldId id="318" r:id="rId22"/>
+    <p:sldId id="321" r:id="rId23"/>
+    <p:sldId id="322" r:id="rId24"/>
   </p:sldIdLst>
   <p:sldSz cx="12192000" cy="6858000"/>
   <p:notesSz cx="6858000" cy="9144000"/>
@@ -156,6 +158,8 @@
             <p14:sldId id="309"/>
             <p14:sldId id="319"/>
             <p14:sldId id="318"/>
+            <p14:sldId id="321"/>
+            <p14:sldId id="322"/>
           </p14:sldIdLst>
         </p14:section>
       </p14:sectionLst>
@@ -10835,114 +10839,135 @@
           </a:p>
         </p:txBody>
       </p:sp>
-      <p:pic>
-        <p:nvPicPr>
-          <p:cNvPr id="7" name="Picture 6">
-            <a:extLst>
-              <a:ext uri="{FF2B5EF4-FFF2-40B4-BE49-F238E27FC236}">
-                <a16:creationId xmlns:a16="http://schemas.microsoft.com/office/drawing/2014/main" id="{B6A15916-A66C-BB9A-1140-422277690D64}"/>
-              </a:ext>
-            </a:extLst>
-          </p:cNvPr>
-          <p:cNvPicPr>
-            <a:picLocks noChangeAspect="1"/>
-          </p:cNvPicPr>
+      <p:grpSp>
+        <p:nvGrpSpPr>
+          <p:cNvPr id="9" name="Group 8">
+            <a:extLst>
+              <a:ext uri="{FF2B5EF4-FFF2-40B4-BE49-F238E27FC236}">
+                <a16:creationId xmlns:a16="http://schemas.microsoft.com/office/drawing/2014/main" id="{C8879C54-9024-28E0-0D7D-C225829D0200}"/>
+              </a:ext>
+            </a:extLst>
+          </p:cNvPr>
+          <p:cNvGrpSpPr/>
           <p:nvPr/>
-        </p:nvPicPr>
-        <p:blipFill>
-          <a:blip r:embed="rId2"/>
-          <a:stretch>
-            <a:fillRect/>
-          </a:stretch>
-        </p:blipFill>
-        <p:spPr>
+        </p:nvGrpSpPr>
+        <p:grpSpPr>
           <a:xfrm>
-            <a:off x="5989269" y="2901620"/>
-            <a:ext cx="5352417" cy="3590277"/>
+            <a:off x="5988225" y="2901620"/>
+            <a:ext cx="6097044" cy="3841546"/>
+            <a:chOff x="5988225" y="2901620"/>
+            <a:chExt cx="6097044" cy="3841546"/>
           </a:xfrm>
-          <a:prstGeom prst="rect">
-            <a:avLst/>
-          </a:prstGeom>
-        </p:spPr>
-      </p:pic>
-      <p:sp>
-        <p:nvSpPr>
-          <p:cNvPr id="8" name="TextBox 7">
-            <a:extLst>
-              <a:ext uri="{FF2B5EF4-FFF2-40B4-BE49-F238E27FC236}">
-                <a16:creationId xmlns:a16="http://schemas.microsoft.com/office/drawing/2014/main" id="{A9BF49EC-1ED5-01FE-1A21-B3E38C280FD6}"/>
-              </a:ext>
-            </a:extLst>
-          </p:cNvPr>
-          <p:cNvSpPr txBox="1"/>
-          <p:nvPr/>
-        </p:nvSpPr>
-        <p:spPr>
-          <a:xfrm>
-            <a:off x="5988225" y="6496945"/>
-            <a:ext cx="6097044" cy="246221"/>
-          </a:xfrm>
-          <a:prstGeom prst="rect">
-            <a:avLst/>
-          </a:prstGeom>
-          <a:noFill/>
-        </p:spPr>
-        <p:txBody>
-          <a:bodyPr wrap="square">
-            <a:spAutoFit/>
-          </a:bodyPr>
-          <a:lstStyle/>
-          <a:p>
-            <a:r>
-              <a:rPr lang="en-US" sz="1000" dirty="0" err="1">
-                <a:solidFill>
-                  <a:schemeClr val="accent6">
-                    <a:lumMod val="75000"/>
-                  </a:schemeClr>
-                </a:solidFill>
-              </a:rPr>
-              <a:t>Mbussonn</a:t>
-            </a:r>
-            <a:r>
-              <a:rPr lang="en-US" sz="1000" dirty="0">
-                <a:solidFill>
-                  <a:schemeClr val="accent6">
-                    <a:lumMod val="75000"/>
-                  </a:schemeClr>
-                </a:solidFill>
-              </a:rPr>
-              <a:t>, </a:t>
-            </a:r>
-            <a:r>
-              <a:rPr lang="en-US" sz="1000" dirty="0">
-                <a:solidFill>
-                  <a:schemeClr val="accent6">
-                    <a:lumMod val="75000"/>
-                  </a:schemeClr>
-                </a:solidFill>
-                <a:hlinkClick r:id="rId3">
-                  <a:extLst>
-                    <a:ext uri="{A12FA001-AC4F-418D-AE19-62706E023703}">
-                      <ahyp:hlinkClr xmlns:ahyp="http://schemas.microsoft.com/office/drawing/2018/hyperlinkcolor" val="tx"/>
-                    </a:ext>
-                  </a:extLst>
-                </a:hlinkClick>
-              </a:rPr>
-              <a:t>CC BY-SA 4.0</a:t>
-            </a:r>
-            <a:r>
-              <a:rPr lang="en-US" sz="1000" dirty="0">
-                <a:solidFill>
-                  <a:schemeClr val="accent6">
-                    <a:lumMod val="75000"/>
-                  </a:schemeClr>
-                </a:solidFill>
-              </a:rPr>
-              <a:t>, via Wikimedia Commons</a:t>
-            </a:r>
-          </a:p>
-        </p:txBody>
-      </p:sp>
+        </p:grpSpPr>
+        <p:pic>
+          <p:nvPicPr>
+            <p:cNvPr id="7" name="Picture 6">
+              <a:extLst>
+                <a:ext uri="{FF2B5EF4-FFF2-40B4-BE49-F238E27FC236}">
+                  <a16:creationId xmlns:a16="http://schemas.microsoft.com/office/drawing/2014/main" id="{B6A15916-A66C-BB9A-1140-422277690D64}"/>
+                </a:ext>
+              </a:extLst>
+            </p:cNvPr>
+            <p:cNvPicPr>
+              <a:picLocks noChangeAspect="1"/>
+            </p:cNvPicPr>
+            <p:nvPr/>
+          </p:nvPicPr>
+          <p:blipFill>
+            <a:blip r:embed="rId2"/>
+            <a:stretch>
+              <a:fillRect/>
+            </a:stretch>
+          </p:blipFill>
+          <p:spPr>
+            <a:xfrm>
+              <a:off x="5989269" y="2901620"/>
+              <a:ext cx="5352417" cy="3590277"/>
+            </a:xfrm>
+            <a:prstGeom prst="rect">
+              <a:avLst/>
+            </a:prstGeom>
+          </p:spPr>
+        </p:pic>
+        <p:sp>
+          <p:nvSpPr>
+            <p:cNvPr id="8" name="TextBox 7">
+              <a:extLst>
+                <a:ext uri="{FF2B5EF4-FFF2-40B4-BE49-F238E27FC236}">
+                  <a16:creationId xmlns:a16="http://schemas.microsoft.com/office/drawing/2014/main" id="{A9BF49EC-1ED5-01FE-1A21-B3E38C280FD6}"/>
+                </a:ext>
+              </a:extLst>
+            </p:cNvPr>
+            <p:cNvSpPr txBox="1"/>
+            <p:nvPr/>
+          </p:nvSpPr>
+          <p:spPr>
+            <a:xfrm>
+              <a:off x="5988225" y="6496945"/>
+              <a:ext cx="6097044" cy="246221"/>
+            </a:xfrm>
+            <a:prstGeom prst="rect">
+              <a:avLst/>
+            </a:prstGeom>
+            <a:noFill/>
+          </p:spPr>
+          <p:txBody>
+            <a:bodyPr wrap="square">
+              <a:spAutoFit/>
+            </a:bodyPr>
+            <a:lstStyle/>
+            <a:p>
+              <a:r>
+                <a:rPr lang="en-US" sz="1000" dirty="0" err="1">
+                  <a:solidFill>
+                    <a:schemeClr val="accent6">
+                      <a:lumMod val="75000"/>
+                    </a:schemeClr>
+                  </a:solidFill>
+                </a:rPr>
+                <a:t>Mbussonn</a:t>
+              </a:r>
+              <a:r>
+                <a:rPr lang="en-US" sz="1000" dirty="0">
+                  <a:solidFill>
+                    <a:schemeClr val="accent6">
+                      <a:lumMod val="75000"/>
+                    </a:schemeClr>
+                  </a:solidFill>
+                </a:rPr>
+                <a:t>, </a:t>
+              </a:r>
+              <a:r>
+                <a:rPr lang="en-US" sz="1000" dirty="0">
+                  <a:solidFill>
+                    <a:schemeClr val="accent6">
+                      <a:lumMod val="75000"/>
+                    </a:schemeClr>
+                  </a:solidFill>
+                  <a:hlinkClick r:id="rId3">
+                    <a:extLst>
+                      <a:ext uri="{A12FA001-AC4F-418D-AE19-62706E023703}">
+                        <ahyp:hlinkClr xmlns:ahyp="http://schemas.microsoft.com/office/drawing/2018/hyperlinkcolor" val="tx"/>
+                      </a:ext>
+                    </a:extLst>
+                  </a:hlinkClick>
+                </a:rPr>
+                <a:t>CC BY-SA 4.0</a:t>
+              </a:r>
+              <a:r>
+                <a:rPr lang="en-US" sz="1000" dirty="0">
+                  <a:solidFill>
+                    <a:schemeClr val="accent6">
+                      <a:lumMod val="75000"/>
+                    </a:schemeClr>
+                  </a:solidFill>
+                </a:rPr>
+                <a:t>, via Wikimedia Commons</a:t>
+              </a:r>
+            </a:p>
+          </p:txBody>
+        </p:sp>
+      </p:grpSp>
     </p:spTree>
     <p:extLst>
       <p:ext uri="{BB962C8B-B14F-4D97-AF65-F5344CB8AC3E}">
@@ -10965,6 +10990,379 @@
       </p:transition>
     </mc:Fallback>
   </mc:AlternateContent>
+  <p:timing>
+    <p:tnLst>
+      <p:par>
+        <p:cTn id="1" dur="indefinite" restart="never" nodeType="tmRoot">
+          <p:childTnLst>
+            <p:seq concurrent="1" nextAc="seek">
+              <p:cTn id="2" dur="indefinite" nodeType="mainSeq">
+                <p:childTnLst>
+                  <p:par>
+                    <p:cTn id="3" fill="hold">
+                      <p:stCondLst>
+                        <p:cond delay="indefinite"/>
+                      </p:stCondLst>
+                      <p:childTnLst>
+                        <p:par>
+                          <p:cTn id="4" fill="hold">
+                            <p:stCondLst>
+                              <p:cond delay="0"/>
+                            </p:stCondLst>
+                            <p:childTnLst>
+                              <p:par>
+                                <p:cTn id="5" presetID="10" presetClass="entr" presetSubtype="0" fill="hold" grpId="0" nodeType="clickEffect">
+                                  <p:stCondLst>
+                                    <p:cond delay="0"/>
+                                  </p:stCondLst>
+                                  <p:childTnLst>
+                                    <p:set>
+                                      <p:cBhvr>
+                                        <p:cTn id="6" dur="1" fill="hold">
+                                          <p:stCondLst>
+                                            <p:cond delay="0"/>
+                                          </p:stCondLst>
+                                        </p:cTn>
+                                        <p:tgtEl>
+                                          <p:spTgt spid="6">
+                                            <p:txEl>
+                                              <p:pRg st="0" end="0"/>
+                                            </p:txEl>
+                                          </p:spTgt>
+                                        </p:tgtEl>
+                                        <p:attrNameLst>
+                                          <p:attrName>style.visibility</p:attrName>
+                                        </p:attrNameLst>
+                                      </p:cBhvr>
+                                      <p:to>
+                                        <p:strVal val="visible"/>
+                                      </p:to>
+                                    </p:set>
+                                    <p:animEffect transition="in" filter="fade">
+                                      <p:cBhvr>
+                                        <p:cTn id="7" dur="500"/>
+                                        <p:tgtEl>
+                                          <p:spTgt spid="6">
+                                            <p:txEl>
+                                              <p:pRg st="0" end="0"/>
+                                            </p:txEl>
+                                          </p:spTgt>
+                                        </p:tgtEl>
+                                      </p:cBhvr>
+                                    </p:animEffect>
+                                  </p:childTnLst>
+                                </p:cTn>
+                              </p:par>
+                            </p:childTnLst>
+                          </p:cTn>
+                        </p:par>
+                      </p:childTnLst>
+                    </p:cTn>
+                  </p:par>
+                  <p:par>
+                    <p:cTn id="8" fill="hold">
+                      <p:stCondLst>
+                        <p:cond delay="indefinite"/>
+                      </p:stCondLst>
+                      <p:childTnLst>
+                        <p:par>
+                          <p:cTn id="9" fill="hold">
+                            <p:stCondLst>
+                              <p:cond delay="0"/>
+                            </p:stCondLst>
+                            <p:childTnLst>
+                              <p:par>
+                                <p:cTn id="10" presetID="10" presetClass="entr" presetSubtype="0" fill="hold" grpId="0" nodeType="clickEffect">
+                                  <p:stCondLst>
+                                    <p:cond delay="0"/>
+                                  </p:stCondLst>
+                                  <p:childTnLst>
+                                    <p:set>
+                                      <p:cBhvr>
+                                        <p:cTn id="11" dur="1" fill="hold">
+                                          <p:stCondLst>
+                                            <p:cond delay="0"/>
+                                          </p:stCondLst>
+                                        </p:cTn>
+                                        <p:tgtEl>
+                                          <p:spTgt spid="6">
+                                            <p:txEl>
+                                              <p:pRg st="1" end="1"/>
+                                            </p:txEl>
+                                          </p:spTgt>
+                                        </p:tgtEl>
+                                        <p:attrNameLst>
+                                          <p:attrName>style.visibility</p:attrName>
+                                        </p:attrNameLst>
+                                      </p:cBhvr>
+                                      <p:to>
+                                        <p:strVal val="visible"/>
+                                      </p:to>
+                                    </p:set>
+                                    <p:animEffect transition="in" filter="fade">
+                                      <p:cBhvr>
+                                        <p:cTn id="12" dur="500"/>
+                                        <p:tgtEl>
+                                          <p:spTgt spid="6">
+                                            <p:txEl>
+                                              <p:pRg st="1" end="1"/>
+                                            </p:txEl>
+                                          </p:spTgt>
+                                        </p:tgtEl>
+                                      </p:cBhvr>
+                                    </p:animEffect>
+                                  </p:childTnLst>
+                                </p:cTn>
+                              </p:par>
+                              <p:par>
+                                <p:cTn id="13" presetID="10" presetClass="entr" presetSubtype="0" fill="hold" nodeType="withEffect">
+                                  <p:stCondLst>
+                                    <p:cond delay="0"/>
+                                  </p:stCondLst>
+                                  <p:childTnLst>
+                                    <p:set>
+                                      <p:cBhvr>
+                                        <p:cTn id="14" dur="1" fill="hold">
+                                          <p:stCondLst>
+                                            <p:cond delay="0"/>
+                                          </p:stCondLst>
+                                        </p:cTn>
+                                        <p:tgtEl>
+                                          <p:spTgt spid="9"/>
+                                        </p:tgtEl>
+                                        <p:attrNameLst>
+                                          <p:attrName>style.visibility</p:attrName>
+                                        </p:attrNameLst>
+                                      </p:cBhvr>
+                                      <p:to>
+                                        <p:strVal val="visible"/>
+                                      </p:to>
+                                    </p:set>
+                                    <p:animEffect transition="in" filter="fade">
+                                      <p:cBhvr>
+                                        <p:cTn id="15" dur="500"/>
+                                        <p:tgtEl>
+                                          <p:spTgt spid="9"/>
+                                        </p:tgtEl>
+                                      </p:cBhvr>
+                                    </p:animEffect>
+                                  </p:childTnLst>
+                                </p:cTn>
+                              </p:par>
+                            </p:childTnLst>
+                          </p:cTn>
+                        </p:par>
+                      </p:childTnLst>
+                    </p:cTn>
+                  </p:par>
+                  <p:par>
+                    <p:cTn id="16" fill="hold">
+                      <p:stCondLst>
+                        <p:cond delay="indefinite"/>
+                      </p:stCondLst>
+                      <p:childTnLst>
+                        <p:par>
+                          <p:cTn id="17" fill="hold">
+                            <p:stCondLst>
+                              <p:cond delay="0"/>
+                            </p:stCondLst>
+                            <p:childTnLst>
+                              <p:par>
+                                <p:cTn id="18" presetID="10" presetClass="entr" presetSubtype="0" fill="hold" grpId="0" nodeType="clickEffect">
+                                  <p:stCondLst>
+                                    <p:cond delay="0"/>
+                                  </p:stCondLst>
+                                  <p:childTnLst>
+                                    <p:set>
+                                      <p:cBhvr>
+                                        <p:cTn id="19" dur="1" fill="hold">
+                                          <p:stCondLst>
+                                            <p:cond delay="0"/>
+                                          </p:stCondLst>
+                                        </p:cTn>
+                                        <p:tgtEl>
+                                          <p:spTgt spid="6">
+                                            <p:txEl>
+                                              <p:pRg st="2" end="2"/>
+                                            </p:txEl>
+                                          </p:spTgt>
+                                        </p:tgtEl>
+                                        <p:attrNameLst>
+                                          <p:attrName>style.visibility</p:attrName>
+                                        </p:attrNameLst>
+                                      </p:cBhvr>
+                                      <p:to>
+                                        <p:strVal val="visible"/>
+                                      </p:to>
+                                    </p:set>
+                                    <p:animEffect transition="in" filter="fade">
+                                      <p:cBhvr>
+                                        <p:cTn id="20" dur="500"/>
+                                        <p:tgtEl>
+                                          <p:spTgt spid="6">
+                                            <p:txEl>
+                                              <p:pRg st="2" end="2"/>
+                                            </p:txEl>
+                                          </p:spTgt>
+                                        </p:tgtEl>
+                                      </p:cBhvr>
+                                    </p:animEffect>
+                                  </p:childTnLst>
+                                </p:cTn>
+                              </p:par>
+                            </p:childTnLst>
+                          </p:cTn>
+                        </p:par>
+                      </p:childTnLst>
+                    </p:cTn>
+                  </p:par>
+                  <p:par>
+                    <p:cTn id="21" fill="hold">
+                      <p:stCondLst>
+                        <p:cond delay="indefinite"/>
+                      </p:stCondLst>
+                      <p:childTnLst>
+                        <p:par>
+                          <p:cTn id="22" fill="hold">
+                            <p:stCondLst>
+                              <p:cond delay="0"/>
+                            </p:stCondLst>
+                            <p:childTnLst>
+                              <p:par>
+                                <p:cTn id="23" presetID="10" presetClass="entr" presetSubtype="0" fill="hold" grpId="0" nodeType="clickEffect">
+                                  <p:stCondLst>
+                                    <p:cond delay="0"/>
+                                  </p:stCondLst>
+                                  <p:childTnLst>
+                                    <p:set>
+                                      <p:cBhvr>
+                                        <p:cTn id="24" dur="1" fill="hold">
+                                          <p:stCondLst>
+                                            <p:cond delay="0"/>
+                                          </p:stCondLst>
+                                        </p:cTn>
+                                        <p:tgtEl>
+                                          <p:spTgt spid="6">
+                                            <p:txEl>
+                                              <p:pRg st="3" end="3"/>
+                                            </p:txEl>
+                                          </p:spTgt>
+                                        </p:tgtEl>
+                                        <p:attrNameLst>
+                                          <p:attrName>style.visibility</p:attrName>
+                                        </p:attrNameLst>
+                                      </p:cBhvr>
+                                      <p:to>
+                                        <p:strVal val="visible"/>
+                                      </p:to>
+                                    </p:set>
+                                    <p:animEffect transition="in" filter="fade">
+                                      <p:cBhvr>
+                                        <p:cTn id="25" dur="500"/>
+                                        <p:tgtEl>
+                                          <p:spTgt spid="6">
+                                            <p:txEl>
+                                              <p:pRg st="3" end="3"/>
+                                            </p:txEl>
+                                          </p:spTgt>
+                                        </p:tgtEl>
+                                      </p:cBhvr>
+                                    </p:animEffect>
+                                  </p:childTnLst>
+                                </p:cTn>
+                              </p:par>
+                            </p:childTnLst>
+                          </p:cTn>
+                        </p:par>
+                      </p:childTnLst>
+                    </p:cTn>
+                  </p:par>
+                  <p:par>
+                    <p:cTn id="26" fill="hold">
+                      <p:stCondLst>
+                        <p:cond delay="indefinite"/>
+                      </p:stCondLst>
+                      <p:childTnLst>
+                        <p:par>
+                          <p:cTn id="27" fill="hold">
+                            <p:stCondLst>
+                              <p:cond delay="0"/>
+                            </p:stCondLst>
+                            <p:childTnLst>
+                              <p:par>
+                                <p:cTn id="28" presetID="10" presetClass="entr" presetSubtype="0" fill="hold" grpId="0" nodeType="clickEffect">
+                                  <p:stCondLst>
+                                    <p:cond delay="0"/>
+                                  </p:stCondLst>
+                                  <p:childTnLst>
+                                    <p:set>
+                                      <p:cBhvr>
+                                        <p:cTn id="29" dur="1" fill="hold">
+                                          <p:stCondLst>
+                                            <p:cond delay="0"/>
+                                          </p:stCondLst>
+                                        </p:cTn>
+                                        <p:tgtEl>
+                                          <p:spTgt spid="6">
+                                            <p:txEl>
+                                              <p:pRg st="4" end="4"/>
+                                            </p:txEl>
+                                          </p:spTgt>
+                                        </p:tgtEl>
+                                        <p:attrNameLst>
+                                          <p:attrName>style.visibility</p:attrName>
+                                        </p:attrNameLst>
+                                      </p:cBhvr>
+                                      <p:to>
+                                        <p:strVal val="visible"/>
+                                      </p:to>
+                                    </p:set>
+                                    <p:animEffect transition="in" filter="fade">
+                                      <p:cBhvr>
+                                        <p:cTn id="30" dur="500"/>
+                                        <p:tgtEl>
+                                          <p:spTgt spid="6">
+                                            <p:txEl>
+                                              <p:pRg st="4" end="4"/>
+                                            </p:txEl>
+                                          </p:spTgt>
+                                        </p:tgtEl>
+                                      </p:cBhvr>
+                                    </p:animEffect>
+                                  </p:childTnLst>
+                                </p:cTn>
+                              </p:par>
+                            </p:childTnLst>
+                          </p:cTn>
+                        </p:par>
+                      </p:childTnLst>
+                    </p:cTn>
+                  </p:par>
+                </p:childTnLst>
+              </p:cTn>
+              <p:prevCondLst>
+                <p:cond evt="onPrev" delay="0">
+                  <p:tgtEl>
+                    <p:sldTgt/>
+                  </p:tgtEl>
+                </p:cond>
+              </p:prevCondLst>
+              <p:nextCondLst>
+                <p:cond evt="onNext" delay="0">
+                  <p:tgtEl>
+                    <p:sldTgt/>
+                  </p:tgtEl>
+                </p:cond>
+              </p:nextCondLst>
+            </p:seq>
+          </p:childTnLst>
+        </p:cTn>
+      </p:par>
+    </p:tnLst>
+    <p:bldLst>
+      <p:bldP spid="6" grpId="0" uiExpand="1" build="p"/>
+    </p:bldLst>
+  </p:timing>
 </p:sld>
 </file>
 
@@ -11483,131 +11881,152 @@
           </a:p>
         </p:txBody>
       </p:sp>
-      <p:sp>
-        <p:nvSpPr>
-          <p:cNvPr id="8" name="TextBox 7">
-            <a:extLst>
-              <a:ext uri="{FF2B5EF4-FFF2-40B4-BE49-F238E27FC236}">
-                <a16:creationId xmlns:a16="http://schemas.microsoft.com/office/drawing/2014/main" id="{82AD6E4B-E770-380F-BBAE-1AAC9DBA6272}"/>
-              </a:ext>
-            </a:extLst>
-          </p:cNvPr>
-          <p:cNvSpPr txBox="1"/>
+      <p:grpSp>
+        <p:nvGrpSpPr>
+          <p:cNvPr id="11" name="Group 10">
+            <a:extLst>
+              <a:ext uri="{FF2B5EF4-FFF2-40B4-BE49-F238E27FC236}">
+                <a16:creationId xmlns:a16="http://schemas.microsoft.com/office/drawing/2014/main" id="{84D32A56-3A49-E7EF-C4B7-BEAC66AE392B}"/>
+              </a:ext>
+            </a:extLst>
+          </p:cNvPr>
+          <p:cNvGrpSpPr/>
           <p:nvPr/>
-        </p:nvSpPr>
-        <p:spPr>
-          <a:xfrm rot="16200000">
-            <a:off x="10226568" y="3715333"/>
-            <a:ext cx="3265800" cy="261610"/>
+        </p:nvGrpSpPr>
+        <p:grpSpPr>
+          <a:xfrm>
+            <a:off x="9808953" y="2213238"/>
+            <a:ext cx="2181320" cy="3265800"/>
+            <a:chOff x="9808953" y="2213238"/>
+            <a:chExt cx="2181320" cy="3265800"/>
           </a:xfrm>
-          <a:prstGeom prst="rect">
-            <a:avLst/>
-          </a:prstGeom>
-          <a:noFill/>
-        </p:spPr>
-        <p:txBody>
-          <a:bodyPr wrap="square">
-            <a:spAutoFit/>
-          </a:bodyPr>
-          <a:lstStyle/>
-          <a:p>
-            <a:pPr algn="ctr"/>
-            <a:r>
-              <a:rPr lang="en-US" sz="1100" dirty="0">
-                <a:solidFill>
-                  <a:schemeClr val="accent6">
-                    <a:lumMod val="75000"/>
-                  </a:schemeClr>
-                </a:solidFill>
-              </a:rPr>
-              <a:t>Cameron </a:t>
-            </a:r>
-            <a:r>
-              <a:rPr lang="en-US" sz="1100" dirty="0" err="1">
-                <a:solidFill>
-                  <a:schemeClr val="accent6">
-                    <a:lumMod val="75000"/>
-                  </a:schemeClr>
-                </a:solidFill>
-              </a:rPr>
-              <a:t>Oelsen</a:t>
-            </a:r>
-            <a:r>
-              <a:rPr lang="en-US" sz="1100" dirty="0">
-                <a:solidFill>
-                  <a:schemeClr val="accent6">
-                    <a:lumMod val="75000"/>
-                  </a:schemeClr>
-                </a:solidFill>
-              </a:rPr>
-              <a:t>, </a:t>
-            </a:r>
-            <a:r>
-              <a:rPr lang="en-US" sz="1100" dirty="0">
-                <a:solidFill>
-                  <a:schemeClr val="accent6">
-                    <a:lumMod val="75000"/>
-                  </a:schemeClr>
-                </a:solidFill>
-                <a:hlinkClick r:id="rId3">
-                  <a:extLst>
-                    <a:ext uri="{A12FA001-AC4F-418D-AE19-62706E023703}">
-                      <ahyp:hlinkClr xmlns:ahyp="http://schemas.microsoft.com/office/drawing/2018/hyperlinkcolor" val="tx"/>
-                    </a:ext>
-                  </a:extLst>
-                </a:hlinkClick>
-              </a:rPr>
-              <a:t>BSD</a:t>
-            </a:r>
-            <a:r>
-              <a:rPr lang="en-US" sz="1100" dirty="0">
-                <a:solidFill>
-                  <a:schemeClr val="accent6">
-                    <a:lumMod val="75000"/>
-                  </a:schemeClr>
-                </a:solidFill>
-              </a:rPr>
-              <a:t>, via Wikimedia Commons</a:t>
-            </a:r>
-          </a:p>
-        </p:txBody>
-      </p:sp>
-      <p:pic>
-        <p:nvPicPr>
-          <p:cNvPr id="10" name="Graphic 9">
-            <a:extLst>
-              <a:ext uri="{FF2B5EF4-FFF2-40B4-BE49-F238E27FC236}">
-                <a16:creationId xmlns:a16="http://schemas.microsoft.com/office/drawing/2014/main" id="{4E41C10C-8AE4-D28A-64A5-FAC61CEB28CA}"/>
-              </a:ext>
-            </a:extLst>
-          </p:cNvPr>
-          <p:cNvPicPr>
-            <a:picLocks noChangeAspect="1"/>
-          </p:cNvPicPr>
-          <p:nvPr/>
-        </p:nvPicPr>
-        <p:blipFill>
-          <a:blip r:embed="rId4">
-            <a:extLst>
-              <a:ext uri="{96DAC541-7B7A-43D3-8B79-37D633B846F1}">
-                <asvg:svgBlip xmlns:asvg="http://schemas.microsoft.com/office/drawing/2016/SVG/main" r:embed="rId5"/>
-              </a:ext>
-            </a:extLst>
-          </a:blip>
-          <a:stretch>
-            <a:fillRect/>
-          </a:stretch>
-        </p:blipFill>
-        <p:spPr>
-          <a:xfrm>
-            <a:off x="9808953" y="2971800"/>
-            <a:ext cx="1962150" cy="2259445"/>
-          </a:xfrm>
-          <a:prstGeom prst="rect">
-            <a:avLst/>
-          </a:prstGeom>
-        </p:spPr>
-      </p:pic>
+        </p:grpSpPr>
+        <p:sp>
+          <p:nvSpPr>
+            <p:cNvPr id="8" name="TextBox 7">
+              <a:extLst>
+                <a:ext uri="{FF2B5EF4-FFF2-40B4-BE49-F238E27FC236}">
+                  <a16:creationId xmlns:a16="http://schemas.microsoft.com/office/drawing/2014/main" id="{82AD6E4B-E770-380F-BBAE-1AAC9DBA6272}"/>
+                </a:ext>
+              </a:extLst>
+            </p:cNvPr>
+            <p:cNvSpPr txBox="1"/>
+            <p:nvPr/>
+          </p:nvSpPr>
+          <p:spPr>
+            <a:xfrm rot="16200000">
+              <a:off x="10226568" y="3715333"/>
+              <a:ext cx="3265800" cy="261610"/>
+            </a:xfrm>
+            <a:prstGeom prst="rect">
+              <a:avLst/>
+            </a:prstGeom>
+            <a:noFill/>
+          </p:spPr>
+          <p:txBody>
+            <a:bodyPr wrap="square">
+              <a:spAutoFit/>
+            </a:bodyPr>
+            <a:lstStyle/>
+            <a:p>
+              <a:pPr algn="ctr"/>
+              <a:r>
+                <a:rPr lang="en-US" sz="1100" dirty="0">
+                  <a:solidFill>
+                    <a:schemeClr val="accent6">
+                      <a:lumMod val="75000"/>
+                    </a:schemeClr>
+                  </a:solidFill>
+                </a:rPr>
+                <a:t>Cameron </a:t>
+              </a:r>
+              <a:r>
+                <a:rPr lang="en-US" sz="1100" dirty="0" err="1">
+                  <a:solidFill>
+                    <a:schemeClr val="accent6">
+                      <a:lumMod val="75000"/>
+                    </a:schemeClr>
+                  </a:solidFill>
+                </a:rPr>
+                <a:t>Oelsen</a:t>
+              </a:r>
+              <a:r>
+                <a:rPr lang="en-US" sz="1100" dirty="0">
+                  <a:solidFill>
+                    <a:schemeClr val="accent6">
+                      <a:lumMod val="75000"/>
+                    </a:schemeClr>
+                  </a:solidFill>
+                </a:rPr>
+                <a:t>, </a:t>
+              </a:r>
+              <a:r>
+                <a:rPr lang="en-US" sz="1100" dirty="0">
+                  <a:solidFill>
+                    <a:schemeClr val="accent6">
+                      <a:lumMod val="75000"/>
+                    </a:schemeClr>
+                  </a:solidFill>
+                  <a:hlinkClick r:id="rId3">
+                    <a:extLst>
+                      <a:ext uri="{A12FA001-AC4F-418D-AE19-62706E023703}">
+                        <ahyp:hlinkClr xmlns:ahyp="http://schemas.microsoft.com/office/drawing/2018/hyperlinkcolor" val="tx"/>
+                      </a:ext>
+                    </a:extLst>
+                  </a:hlinkClick>
+                </a:rPr>
+                <a:t>BSD</a:t>
+              </a:r>
+              <a:r>
+                <a:rPr lang="en-US" sz="1100" dirty="0">
+                  <a:solidFill>
+                    <a:schemeClr val="accent6">
+                      <a:lumMod val="75000"/>
+                    </a:schemeClr>
+                  </a:solidFill>
+                </a:rPr>
+                <a:t>, via Wikimedia Commons</a:t>
+              </a:r>
+            </a:p>
+          </p:txBody>
+        </p:sp>
+        <p:pic>
+          <p:nvPicPr>
+            <p:cNvPr id="10" name="Graphic 9">
+              <a:extLst>
+                <a:ext uri="{FF2B5EF4-FFF2-40B4-BE49-F238E27FC236}">
+                  <a16:creationId xmlns:a16="http://schemas.microsoft.com/office/drawing/2014/main" id="{4E41C10C-8AE4-D28A-64A5-FAC61CEB28CA}"/>
+                </a:ext>
+              </a:extLst>
+            </p:cNvPr>
+            <p:cNvPicPr>
+              <a:picLocks noChangeAspect="1"/>
+            </p:cNvPicPr>
+            <p:nvPr/>
+          </p:nvPicPr>
+          <p:blipFill>
+            <a:blip r:embed="rId4">
+              <a:extLst>
+                <a:ext uri="{96DAC541-7B7A-43D3-8B79-37D633B846F1}">
+                  <asvg:svgBlip xmlns:asvg="http://schemas.microsoft.com/office/drawing/2016/SVG/main" r:embed="rId5"/>
+                </a:ext>
+              </a:extLst>
+            </a:blip>
+            <a:stretch>
+              <a:fillRect/>
+            </a:stretch>
+          </p:blipFill>
+          <p:spPr>
+            <a:xfrm>
+              <a:off x="9808953" y="2971800"/>
+              <a:ext cx="1962150" cy="2259445"/>
+            </a:xfrm>
+            <a:prstGeom prst="rect">
+              <a:avLst/>
+            </a:prstGeom>
+          </p:spPr>
+        </p:pic>
+      </p:grpSp>
     </p:spTree>
     <p:extLst>
       <p:ext uri="{BB962C8B-B14F-4D97-AF65-F5344CB8AC3E}">
@@ -11630,6 +12049,440 @@
       </p:transition>
     </mc:Fallback>
   </mc:AlternateContent>
+  <p:timing>
+    <p:tnLst>
+      <p:par>
+        <p:cTn id="1" dur="indefinite" restart="never" nodeType="tmRoot">
+          <p:childTnLst>
+            <p:seq concurrent="1" nextAc="seek">
+              <p:cTn id="2" dur="indefinite" nodeType="mainSeq">
+                <p:childTnLst>
+                  <p:par>
+                    <p:cTn id="3" fill="hold">
+                      <p:stCondLst>
+                        <p:cond delay="indefinite"/>
+                      </p:stCondLst>
+                      <p:childTnLst>
+                        <p:par>
+                          <p:cTn id="4" fill="hold">
+                            <p:stCondLst>
+                              <p:cond delay="0"/>
+                            </p:stCondLst>
+                            <p:childTnLst>
+                              <p:par>
+                                <p:cTn id="5" presetID="10" presetClass="entr" presetSubtype="0" fill="hold" grpId="0" nodeType="clickEffect">
+                                  <p:stCondLst>
+                                    <p:cond delay="0"/>
+                                  </p:stCondLst>
+                                  <p:childTnLst>
+                                    <p:set>
+                                      <p:cBhvr>
+                                        <p:cTn id="6" dur="1" fill="hold">
+                                          <p:stCondLst>
+                                            <p:cond delay="0"/>
+                                          </p:stCondLst>
+                                        </p:cTn>
+                                        <p:tgtEl>
+                                          <p:spTgt spid="6">
+                                            <p:txEl>
+                                              <p:pRg st="0" end="0"/>
+                                            </p:txEl>
+                                          </p:spTgt>
+                                        </p:tgtEl>
+                                        <p:attrNameLst>
+                                          <p:attrName>style.visibility</p:attrName>
+                                        </p:attrNameLst>
+                                      </p:cBhvr>
+                                      <p:to>
+                                        <p:strVal val="visible"/>
+                                      </p:to>
+                                    </p:set>
+                                    <p:animEffect transition="in" filter="fade">
+                                      <p:cBhvr>
+                                        <p:cTn id="7" dur="500"/>
+                                        <p:tgtEl>
+                                          <p:spTgt spid="6">
+                                            <p:txEl>
+                                              <p:pRg st="0" end="0"/>
+                                            </p:txEl>
+                                          </p:spTgt>
+                                        </p:tgtEl>
+                                      </p:cBhvr>
+                                    </p:animEffect>
+                                  </p:childTnLst>
+                                </p:cTn>
+                              </p:par>
+                            </p:childTnLst>
+                          </p:cTn>
+                        </p:par>
+                      </p:childTnLst>
+                    </p:cTn>
+                  </p:par>
+                  <p:par>
+                    <p:cTn id="8" fill="hold">
+                      <p:stCondLst>
+                        <p:cond delay="indefinite"/>
+                      </p:stCondLst>
+                      <p:childTnLst>
+                        <p:par>
+                          <p:cTn id="9" fill="hold">
+                            <p:stCondLst>
+                              <p:cond delay="0"/>
+                            </p:stCondLst>
+                            <p:childTnLst>
+                              <p:par>
+                                <p:cTn id="10" presetID="10" presetClass="entr" presetSubtype="0" fill="hold" grpId="0" nodeType="clickEffect">
+                                  <p:stCondLst>
+                                    <p:cond delay="0"/>
+                                  </p:stCondLst>
+                                  <p:childTnLst>
+                                    <p:set>
+                                      <p:cBhvr>
+                                        <p:cTn id="11" dur="1" fill="hold">
+                                          <p:stCondLst>
+                                            <p:cond delay="0"/>
+                                          </p:stCondLst>
+                                        </p:cTn>
+                                        <p:tgtEl>
+                                          <p:spTgt spid="6">
+                                            <p:txEl>
+                                              <p:pRg st="1" end="1"/>
+                                            </p:txEl>
+                                          </p:spTgt>
+                                        </p:tgtEl>
+                                        <p:attrNameLst>
+                                          <p:attrName>style.visibility</p:attrName>
+                                        </p:attrNameLst>
+                                      </p:cBhvr>
+                                      <p:to>
+                                        <p:strVal val="visible"/>
+                                      </p:to>
+                                    </p:set>
+                                    <p:animEffect transition="in" filter="fade">
+                                      <p:cBhvr>
+                                        <p:cTn id="12" dur="500"/>
+                                        <p:tgtEl>
+                                          <p:spTgt spid="6">
+                                            <p:txEl>
+                                              <p:pRg st="1" end="1"/>
+                                            </p:txEl>
+                                          </p:spTgt>
+                                        </p:tgtEl>
+                                      </p:cBhvr>
+                                    </p:animEffect>
+                                  </p:childTnLst>
+                                </p:cTn>
+                              </p:par>
+                              <p:par>
+                                <p:cTn id="13" presetID="10" presetClass="entr" presetSubtype="0" fill="hold" nodeType="withEffect">
+                                  <p:stCondLst>
+                                    <p:cond delay="0"/>
+                                  </p:stCondLst>
+                                  <p:childTnLst>
+                                    <p:set>
+                                      <p:cBhvr>
+                                        <p:cTn id="14" dur="1" fill="hold">
+                                          <p:stCondLst>
+                                            <p:cond delay="0"/>
+                                          </p:stCondLst>
+                                        </p:cTn>
+                                        <p:tgtEl>
+                                          <p:spTgt spid="11"/>
+                                        </p:tgtEl>
+                                        <p:attrNameLst>
+                                          <p:attrName>style.visibility</p:attrName>
+                                        </p:attrNameLst>
+                                      </p:cBhvr>
+                                      <p:to>
+                                        <p:strVal val="visible"/>
+                                      </p:to>
+                                    </p:set>
+                                    <p:animEffect transition="in" filter="fade">
+                                      <p:cBhvr>
+                                        <p:cTn id="15" dur="500"/>
+                                        <p:tgtEl>
+                                          <p:spTgt spid="11"/>
+                                        </p:tgtEl>
+                                      </p:cBhvr>
+                                    </p:animEffect>
+                                  </p:childTnLst>
+                                </p:cTn>
+                              </p:par>
+                            </p:childTnLst>
+                          </p:cTn>
+                        </p:par>
+                      </p:childTnLst>
+                    </p:cTn>
+                  </p:par>
+                  <p:par>
+                    <p:cTn id="16" fill="hold">
+                      <p:stCondLst>
+                        <p:cond delay="indefinite"/>
+                      </p:stCondLst>
+                      <p:childTnLst>
+                        <p:par>
+                          <p:cTn id="17" fill="hold">
+                            <p:stCondLst>
+                              <p:cond delay="0"/>
+                            </p:stCondLst>
+                            <p:childTnLst>
+                              <p:par>
+                                <p:cTn id="18" presetID="10" presetClass="entr" presetSubtype="0" fill="hold" grpId="0" nodeType="clickEffect">
+                                  <p:stCondLst>
+                                    <p:cond delay="0"/>
+                                  </p:stCondLst>
+                                  <p:childTnLst>
+                                    <p:set>
+                                      <p:cBhvr>
+                                        <p:cTn id="19" dur="1" fill="hold">
+                                          <p:stCondLst>
+                                            <p:cond delay="0"/>
+                                          </p:stCondLst>
+                                        </p:cTn>
+                                        <p:tgtEl>
+                                          <p:spTgt spid="6">
+                                            <p:txEl>
+                                              <p:pRg st="2" end="2"/>
+                                            </p:txEl>
+                                          </p:spTgt>
+                                        </p:tgtEl>
+                                        <p:attrNameLst>
+                                          <p:attrName>style.visibility</p:attrName>
+                                        </p:attrNameLst>
+                                      </p:cBhvr>
+                                      <p:to>
+                                        <p:strVal val="visible"/>
+                                      </p:to>
+                                    </p:set>
+                                    <p:animEffect transition="in" filter="fade">
+                                      <p:cBhvr>
+                                        <p:cTn id="20" dur="500"/>
+                                        <p:tgtEl>
+                                          <p:spTgt spid="6">
+                                            <p:txEl>
+                                              <p:pRg st="2" end="2"/>
+                                            </p:txEl>
+                                          </p:spTgt>
+                                        </p:tgtEl>
+                                      </p:cBhvr>
+                                    </p:animEffect>
+                                  </p:childTnLst>
+                                </p:cTn>
+                              </p:par>
+                            </p:childTnLst>
+                          </p:cTn>
+                        </p:par>
+                      </p:childTnLst>
+                    </p:cTn>
+                  </p:par>
+                  <p:par>
+                    <p:cTn id="21" fill="hold">
+                      <p:stCondLst>
+                        <p:cond delay="indefinite"/>
+                      </p:stCondLst>
+                      <p:childTnLst>
+                        <p:par>
+                          <p:cTn id="22" fill="hold">
+                            <p:stCondLst>
+                              <p:cond delay="0"/>
+                            </p:stCondLst>
+                            <p:childTnLst>
+                              <p:par>
+                                <p:cTn id="23" presetID="10" presetClass="entr" presetSubtype="0" fill="hold" grpId="0" nodeType="clickEffect">
+                                  <p:stCondLst>
+                                    <p:cond delay="0"/>
+                                  </p:stCondLst>
+                                  <p:childTnLst>
+                                    <p:set>
+                                      <p:cBhvr>
+                                        <p:cTn id="24" dur="1" fill="hold">
+                                          <p:stCondLst>
+                                            <p:cond delay="0"/>
+                                          </p:stCondLst>
+                                        </p:cTn>
+                                        <p:tgtEl>
+                                          <p:spTgt spid="6">
+                                            <p:txEl>
+                                              <p:pRg st="3" end="3"/>
+                                            </p:txEl>
+                                          </p:spTgt>
+                                        </p:tgtEl>
+                                        <p:attrNameLst>
+                                          <p:attrName>style.visibility</p:attrName>
+                                        </p:attrNameLst>
+                                      </p:cBhvr>
+                                      <p:to>
+                                        <p:strVal val="visible"/>
+                                      </p:to>
+                                    </p:set>
+                                    <p:animEffect transition="in" filter="fade">
+                                      <p:cBhvr>
+                                        <p:cTn id="25" dur="500"/>
+                                        <p:tgtEl>
+                                          <p:spTgt spid="6">
+                                            <p:txEl>
+                                              <p:pRg st="3" end="3"/>
+                                            </p:txEl>
+                                          </p:spTgt>
+                                        </p:tgtEl>
+                                      </p:cBhvr>
+                                    </p:animEffect>
+                                  </p:childTnLst>
+                                </p:cTn>
+                              </p:par>
+                            </p:childTnLst>
+                          </p:cTn>
+                        </p:par>
+                      </p:childTnLst>
+                    </p:cTn>
+                  </p:par>
+                  <p:par>
+                    <p:cTn id="26" fill="hold">
+                      <p:stCondLst>
+                        <p:cond delay="indefinite"/>
+                      </p:stCondLst>
+                      <p:childTnLst>
+                        <p:par>
+                          <p:cTn id="27" fill="hold">
+                            <p:stCondLst>
+                              <p:cond delay="0"/>
+                            </p:stCondLst>
+                            <p:childTnLst>
+                              <p:par>
+                                <p:cTn id="28" presetID="10" presetClass="entr" presetSubtype="0" fill="hold" grpId="0" nodeType="clickEffect">
+                                  <p:stCondLst>
+                                    <p:cond delay="0"/>
+                                  </p:stCondLst>
+                                  <p:childTnLst>
+                                    <p:set>
+                                      <p:cBhvr>
+                                        <p:cTn id="29" dur="1" fill="hold">
+                                          <p:stCondLst>
+                                            <p:cond delay="0"/>
+                                          </p:stCondLst>
+                                        </p:cTn>
+                                        <p:tgtEl>
+                                          <p:spTgt spid="6">
+                                            <p:txEl>
+                                              <p:pRg st="4" end="4"/>
+                                            </p:txEl>
+                                          </p:spTgt>
+                                        </p:tgtEl>
+                                        <p:attrNameLst>
+                                          <p:attrName>style.visibility</p:attrName>
+                                        </p:attrNameLst>
+                                      </p:cBhvr>
+                                      <p:to>
+                                        <p:strVal val="visible"/>
+                                      </p:to>
+                                    </p:set>
+                                    <p:animEffect transition="in" filter="fade">
+                                      <p:cBhvr>
+                                        <p:cTn id="30" dur="500"/>
+                                        <p:tgtEl>
+                                          <p:spTgt spid="6">
+                                            <p:txEl>
+                                              <p:pRg st="4" end="4"/>
+                                            </p:txEl>
+                                          </p:spTgt>
+                                        </p:tgtEl>
+                                      </p:cBhvr>
+                                    </p:animEffect>
+                                  </p:childTnLst>
+                                </p:cTn>
+                              </p:par>
+                            </p:childTnLst>
+                          </p:cTn>
+                        </p:par>
+                      </p:childTnLst>
+                    </p:cTn>
+                  </p:par>
+                  <p:par>
+                    <p:cTn id="31" fill="hold">
+                      <p:stCondLst>
+                        <p:cond delay="indefinite"/>
+                      </p:stCondLst>
+                      <p:childTnLst>
+                        <p:par>
+                          <p:cTn id="32" fill="hold">
+                            <p:stCondLst>
+                              <p:cond delay="0"/>
+                            </p:stCondLst>
+                            <p:childTnLst>
+                              <p:par>
+                                <p:cTn id="33" presetID="10" presetClass="entr" presetSubtype="0" fill="hold" grpId="0" nodeType="clickEffect">
+                                  <p:stCondLst>
+                                    <p:cond delay="0"/>
+                                  </p:stCondLst>
+                                  <p:childTnLst>
+                                    <p:set>
+                                      <p:cBhvr>
+                                        <p:cTn id="34" dur="1" fill="hold">
+                                          <p:stCondLst>
+                                            <p:cond delay="0"/>
+                                          </p:stCondLst>
+                                        </p:cTn>
+                                        <p:tgtEl>
+                                          <p:spTgt spid="6">
+                                            <p:txEl>
+                                              <p:pRg st="5" end="5"/>
+                                            </p:txEl>
+                                          </p:spTgt>
+                                        </p:tgtEl>
+                                        <p:attrNameLst>
+                                          <p:attrName>style.visibility</p:attrName>
+                                        </p:attrNameLst>
+                                      </p:cBhvr>
+                                      <p:to>
+                                        <p:strVal val="visible"/>
+                                      </p:to>
+                                    </p:set>
+                                    <p:animEffect transition="in" filter="fade">
+                                      <p:cBhvr>
+                                        <p:cTn id="35" dur="500"/>
+                                        <p:tgtEl>
+                                          <p:spTgt spid="6">
+                                            <p:txEl>
+                                              <p:pRg st="5" end="5"/>
+                                            </p:txEl>
+                                          </p:spTgt>
+                                        </p:tgtEl>
+                                      </p:cBhvr>
+                                    </p:animEffect>
+                                  </p:childTnLst>
+                                </p:cTn>
+                              </p:par>
+                            </p:childTnLst>
+                          </p:cTn>
+                        </p:par>
+                      </p:childTnLst>
+                    </p:cTn>
+                  </p:par>
+                </p:childTnLst>
+              </p:cTn>
+              <p:prevCondLst>
+                <p:cond evt="onPrev" delay="0">
+                  <p:tgtEl>
+                    <p:sldTgt/>
+                  </p:tgtEl>
+                </p:cond>
+              </p:prevCondLst>
+              <p:nextCondLst>
+                <p:cond evt="onNext" delay="0">
+                  <p:tgtEl>
+                    <p:sldTgt/>
+                  </p:tgtEl>
+                </p:cond>
+              </p:nextCondLst>
+            </p:seq>
+          </p:childTnLst>
+        </p:cTn>
+      </p:par>
+    </p:tnLst>
+    <p:bldLst>
+      <p:bldP spid="6" grpId="0" uiExpand="1" build="p"/>
+    </p:bldLst>
+  </p:timing>
 </p:sld>
 </file>
 
@@ -11669,11 +12522,15 @@
         <p:spPr/>
         <p:txBody>
           <a:bodyPr>
-            <a:normAutofit fontScale="92500" lnSpcReduction="10000"/>
+            <a:normAutofit fontScale="92500" lnSpcReduction="20000"/>
           </a:bodyPr>
           <a:lstStyle/>
           <a:p>
-            <a:pPr marL="457200" indent="-457200"/>
+            <a:pPr marL="457200" indent="-457200">
+              <a:buSzPct val="80000"/>
+              <a:buFont typeface="System Font Regular"/>
+              <a:buChar char="📁"/>
+            </a:pPr>
             <a:r>
               <a:rPr lang="en-US" sz="2000" dirty="0"/>
               <a:t>Notebooks are files produced by the </a:t>
@@ -11696,7 +12553,11 @@
             </a:r>
           </a:p>
           <a:p>
-            <a:pPr marL="457200" indent="-457200"/>
+            <a:pPr marL="457200" indent="-457200">
+              <a:buSzPct val="80000"/>
+              <a:buFont typeface="System Font Regular"/>
+              <a:buChar char="💻"/>
+            </a:pPr>
             <a:r>
               <a:rPr lang="en-US" sz="2000" dirty="0"/>
               <a:t>The </a:t>
@@ -11707,7 +12568,18 @@
             </a:r>
             <a:r>
               <a:rPr lang="en-US" sz="2000" dirty="0"/>
-              <a:t> Notebook App is a server-client application that allows editing and running notebook files via a web browser. The </a:t>
+              <a:t> Notebook App is a server-client application that allows editing and running notebook files via a web browser.</a:t>
+            </a:r>
+          </a:p>
+          <a:p>
+            <a:pPr marL="457200" indent="-457200">
+              <a:buSzPct val="80000"/>
+              <a:buFont typeface="System Font Regular"/>
+              <a:buChar char="🌎"/>
+            </a:pPr>
+            <a:r>
+              <a:rPr lang="en-US" sz="2000" dirty="0"/>
+              <a:t>The </a:t>
             </a:r>
             <a:r>
               <a:rPr lang="en-US" sz="2000" dirty="0" err="1"/>
@@ -12160,6 +13032,293 @@
       </p:transition>
     </mc:Fallback>
   </mc:AlternateContent>
+  <p:timing>
+    <p:tnLst>
+      <p:par>
+        <p:cTn id="1" dur="indefinite" restart="never" nodeType="tmRoot">
+          <p:childTnLst>
+            <p:seq concurrent="1" nextAc="seek">
+              <p:cTn id="2" dur="indefinite" nodeType="mainSeq">
+                <p:childTnLst>
+                  <p:par>
+                    <p:cTn id="3" fill="hold">
+                      <p:stCondLst>
+                        <p:cond delay="indefinite"/>
+                      </p:stCondLst>
+                      <p:childTnLst>
+                        <p:par>
+                          <p:cTn id="4" fill="hold">
+                            <p:stCondLst>
+                              <p:cond delay="0"/>
+                            </p:stCondLst>
+                            <p:childTnLst>
+                              <p:par>
+                                <p:cTn id="5" presetID="10" presetClass="entr" presetSubtype="0" fill="hold" grpId="0" nodeType="clickEffect">
+                                  <p:stCondLst>
+                                    <p:cond delay="0"/>
+                                  </p:stCondLst>
+                                  <p:childTnLst>
+                                    <p:set>
+                                      <p:cBhvr>
+                                        <p:cTn id="6" dur="1" fill="hold">
+                                          <p:stCondLst>
+                                            <p:cond delay="0"/>
+                                          </p:stCondLst>
+                                        </p:cTn>
+                                        <p:tgtEl>
+                                          <p:spTgt spid="6">
+                                            <p:txEl>
+                                              <p:pRg st="0" end="0"/>
+                                            </p:txEl>
+                                          </p:spTgt>
+                                        </p:tgtEl>
+                                        <p:attrNameLst>
+                                          <p:attrName>style.visibility</p:attrName>
+                                        </p:attrNameLst>
+                                      </p:cBhvr>
+                                      <p:to>
+                                        <p:strVal val="visible"/>
+                                      </p:to>
+                                    </p:set>
+                                    <p:animEffect transition="in" filter="fade">
+                                      <p:cBhvr>
+                                        <p:cTn id="7" dur="500"/>
+                                        <p:tgtEl>
+                                          <p:spTgt spid="6">
+                                            <p:txEl>
+                                              <p:pRg st="0" end="0"/>
+                                            </p:txEl>
+                                          </p:spTgt>
+                                        </p:tgtEl>
+                                      </p:cBhvr>
+                                    </p:animEffect>
+                                  </p:childTnLst>
+                                </p:cTn>
+                              </p:par>
+                              <p:par>
+                                <p:cTn id="8" presetID="10" presetClass="entr" presetSubtype="0" fill="hold" nodeType="withEffect">
+                                  <p:stCondLst>
+                                    <p:cond delay="0"/>
+                                  </p:stCondLst>
+                                  <p:childTnLst>
+                                    <p:set>
+                                      <p:cBhvr>
+                                        <p:cTn id="9" dur="1" fill="hold">
+                                          <p:stCondLst>
+                                            <p:cond delay="0"/>
+                                          </p:stCondLst>
+                                        </p:cTn>
+                                        <p:tgtEl>
+                                          <p:spTgt spid="9"/>
+                                        </p:tgtEl>
+                                        <p:attrNameLst>
+                                          <p:attrName>style.visibility</p:attrName>
+                                        </p:attrNameLst>
+                                      </p:cBhvr>
+                                      <p:to>
+                                        <p:strVal val="visible"/>
+                                      </p:to>
+                                    </p:set>
+                                    <p:animEffect transition="in" filter="fade">
+                                      <p:cBhvr>
+                                        <p:cTn id="10" dur="500"/>
+                                        <p:tgtEl>
+                                          <p:spTgt spid="9"/>
+                                        </p:tgtEl>
+                                      </p:cBhvr>
+                                    </p:animEffect>
+                                  </p:childTnLst>
+                                </p:cTn>
+                              </p:par>
+                              <p:par>
+                                <p:cTn id="11" presetID="10" presetClass="entr" presetSubtype="0" fill="hold" grpId="0" nodeType="withEffect">
+                                  <p:stCondLst>
+                                    <p:cond delay="0"/>
+                                  </p:stCondLst>
+                                  <p:childTnLst>
+                                    <p:set>
+                                      <p:cBhvr>
+                                        <p:cTn id="12" dur="1" fill="hold">
+                                          <p:stCondLst>
+                                            <p:cond delay="0"/>
+                                          </p:stCondLst>
+                                        </p:cTn>
+                                        <p:tgtEl>
+                                          <p:spTgt spid="12"/>
+                                        </p:tgtEl>
+                                        <p:attrNameLst>
+                                          <p:attrName>style.visibility</p:attrName>
+                                        </p:attrNameLst>
+                                      </p:cBhvr>
+                                      <p:to>
+                                        <p:strVal val="visible"/>
+                                      </p:to>
+                                    </p:set>
+                                    <p:animEffect transition="in" filter="fade">
+                                      <p:cBhvr>
+                                        <p:cTn id="13" dur="500"/>
+                                        <p:tgtEl>
+                                          <p:spTgt spid="12"/>
+                                        </p:tgtEl>
+                                      </p:cBhvr>
+                                    </p:animEffect>
+                                  </p:childTnLst>
+                                </p:cTn>
+                              </p:par>
+                            </p:childTnLst>
+                          </p:cTn>
+                        </p:par>
+                      </p:childTnLst>
+                    </p:cTn>
+                  </p:par>
+                  <p:par>
+                    <p:cTn id="14" fill="hold">
+                      <p:stCondLst>
+                        <p:cond delay="indefinite"/>
+                      </p:stCondLst>
+                      <p:childTnLst>
+                        <p:par>
+                          <p:cTn id="15" fill="hold">
+                            <p:stCondLst>
+                              <p:cond delay="0"/>
+                            </p:stCondLst>
+                            <p:childTnLst>
+                              <p:par>
+                                <p:cTn id="16" presetID="10" presetClass="entr" presetSubtype="0" fill="hold" grpId="0" nodeType="clickEffect">
+                                  <p:stCondLst>
+                                    <p:cond delay="0"/>
+                                  </p:stCondLst>
+                                  <p:childTnLst>
+                                    <p:set>
+                                      <p:cBhvr>
+                                        <p:cTn id="17" dur="1" fill="hold">
+                                          <p:stCondLst>
+                                            <p:cond delay="0"/>
+                                          </p:stCondLst>
+                                        </p:cTn>
+                                        <p:tgtEl>
+                                          <p:spTgt spid="6">
+                                            <p:txEl>
+                                              <p:pRg st="1" end="1"/>
+                                            </p:txEl>
+                                          </p:spTgt>
+                                        </p:tgtEl>
+                                        <p:attrNameLst>
+                                          <p:attrName>style.visibility</p:attrName>
+                                        </p:attrNameLst>
+                                      </p:cBhvr>
+                                      <p:to>
+                                        <p:strVal val="visible"/>
+                                      </p:to>
+                                    </p:set>
+                                    <p:animEffect transition="in" filter="fade">
+                                      <p:cBhvr>
+                                        <p:cTn id="18" dur="500"/>
+                                        <p:tgtEl>
+                                          <p:spTgt spid="6">
+                                            <p:txEl>
+                                              <p:pRg st="1" end="1"/>
+                                            </p:txEl>
+                                          </p:spTgt>
+                                        </p:tgtEl>
+                                      </p:cBhvr>
+                                    </p:animEffect>
+                                  </p:childTnLst>
+                                </p:cTn>
+                              </p:par>
+                            </p:childTnLst>
+                          </p:cTn>
+                        </p:par>
+                      </p:childTnLst>
+                    </p:cTn>
+                  </p:par>
+                  <p:par>
+                    <p:cTn id="19" fill="hold">
+                      <p:stCondLst>
+                        <p:cond delay="indefinite"/>
+                      </p:stCondLst>
+                      <p:childTnLst>
+                        <p:par>
+                          <p:cTn id="20" fill="hold">
+                            <p:stCondLst>
+                              <p:cond delay="0"/>
+                            </p:stCondLst>
+                            <p:childTnLst>
+                              <p:par>
+                                <p:cTn id="21" presetID="10" presetClass="entr" presetSubtype="0" fill="hold" grpId="0" nodeType="clickEffect">
+                                  <p:stCondLst>
+                                    <p:cond delay="0"/>
+                                  </p:stCondLst>
+                                  <p:childTnLst>
+                                    <p:set>
+                                      <p:cBhvr>
+                                        <p:cTn id="22" dur="1" fill="hold">
+                                          <p:stCondLst>
+                                            <p:cond delay="0"/>
+                                          </p:stCondLst>
+                                        </p:cTn>
+                                        <p:tgtEl>
+                                          <p:spTgt spid="6">
+                                            <p:txEl>
+                                              <p:pRg st="2" end="2"/>
+                                            </p:txEl>
+                                          </p:spTgt>
+                                        </p:tgtEl>
+                                        <p:attrNameLst>
+                                          <p:attrName>style.visibility</p:attrName>
+                                        </p:attrNameLst>
+                                      </p:cBhvr>
+                                      <p:to>
+                                        <p:strVal val="visible"/>
+                                      </p:to>
+                                    </p:set>
+                                    <p:animEffect transition="in" filter="fade">
+                                      <p:cBhvr>
+                                        <p:cTn id="23" dur="500"/>
+                                        <p:tgtEl>
+                                          <p:spTgt spid="6">
+                                            <p:txEl>
+                                              <p:pRg st="2" end="2"/>
+                                            </p:txEl>
+                                          </p:spTgt>
+                                        </p:tgtEl>
+                                      </p:cBhvr>
+                                    </p:animEffect>
+                                  </p:childTnLst>
+                                </p:cTn>
+                              </p:par>
+                            </p:childTnLst>
+                          </p:cTn>
+                        </p:par>
+                      </p:childTnLst>
+                    </p:cTn>
+                  </p:par>
+                </p:childTnLst>
+              </p:cTn>
+              <p:prevCondLst>
+                <p:cond evt="onPrev" delay="0">
+                  <p:tgtEl>
+                    <p:sldTgt/>
+                  </p:tgtEl>
+                </p:cond>
+              </p:prevCondLst>
+              <p:nextCondLst>
+                <p:cond evt="onNext" delay="0">
+                  <p:tgtEl>
+                    <p:sldTgt/>
+                  </p:tgtEl>
+                </p:cond>
+              </p:nextCondLst>
+            </p:seq>
+          </p:childTnLst>
+        </p:cTn>
+      </p:par>
+    </p:tnLst>
+    <p:bldLst>
+      <p:bldP spid="6" grpId="0" uiExpand="1" build="p"/>
+      <p:bldP spid="12" grpId="0"/>
+    </p:bldLst>
+  </p:timing>
 </p:sld>
 </file>
 
@@ -12722,6 +13881,326 @@
       </p:transition>
     </mc:Fallback>
   </mc:AlternateContent>
+  <p:timing>
+    <p:tnLst>
+      <p:par>
+        <p:cTn id="1" dur="indefinite" restart="never" nodeType="tmRoot">
+          <p:childTnLst>
+            <p:seq concurrent="1" nextAc="seek">
+              <p:cTn id="2" dur="indefinite" nodeType="mainSeq">
+                <p:childTnLst>
+                  <p:par>
+                    <p:cTn id="3" fill="hold">
+                      <p:stCondLst>
+                        <p:cond delay="indefinite"/>
+                      </p:stCondLst>
+                      <p:childTnLst>
+                        <p:par>
+                          <p:cTn id="4" fill="hold">
+                            <p:stCondLst>
+                              <p:cond delay="0"/>
+                            </p:stCondLst>
+                            <p:childTnLst>
+                              <p:par>
+                                <p:cTn id="5" presetID="10" presetClass="entr" presetSubtype="0" fill="hold" grpId="0" nodeType="clickEffect">
+                                  <p:stCondLst>
+                                    <p:cond delay="0"/>
+                                  </p:stCondLst>
+                                  <p:childTnLst>
+                                    <p:set>
+                                      <p:cBhvr>
+                                        <p:cTn id="6" dur="1" fill="hold">
+                                          <p:stCondLst>
+                                            <p:cond delay="0"/>
+                                          </p:stCondLst>
+                                        </p:cTn>
+                                        <p:tgtEl>
+                                          <p:spTgt spid="6">
+                                            <p:txEl>
+                                              <p:pRg st="0" end="0"/>
+                                            </p:txEl>
+                                          </p:spTgt>
+                                        </p:tgtEl>
+                                        <p:attrNameLst>
+                                          <p:attrName>style.visibility</p:attrName>
+                                        </p:attrNameLst>
+                                      </p:cBhvr>
+                                      <p:to>
+                                        <p:strVal val="visible"/>
+                                      </p:to>
+                                    </p:set>
+                                    <p:animEffect transition="in" filter="fade">
+                                      <p:cBhvr>
+                                        <p:cTn id="7" dur="500"/>
+                                        <p:tgtEl>
+                                          <p:spTgt spid="6">
+                                            <p:txEl>
+                                              <p:pRg st="0" end="0"/>
+                                            </p:txEl>
+                                          </p:spTgt>
+                                        </p:tgtEl>
+                                      </p:cBhvr>
+                                    </p:animEffect>
+                                  </p:childTnLst>
+                                </p:cTn>
+                              </p:par>
+                            </p:childTnLst>
+                          </p:cTn>
+                        </p:par>
+                      </p:childTnLst>
+                    </p:cTn>
+                  </p:par>
+                  <p:par>
+                    <p:cTn id="8" fill="hold">
+                      <p:stCondLst>
+                        <p:cond delay="indefinite"/>
+                      </p:stCondLst>
+                      <p:childTnLst>
+                        <p:par>
+                          <p:cTn id="9" fill="hold">
+                            <p:stCondLst>
+                              <p:cond delay="0"/>
+                            </p:stCondLst>
+                            <p:childTnLst>
+                              <p:par>
+                                <p:cTn id="10" presetID="10" presetClass="entr" presetSubtype="0" fill="hold" grpId="0" nodeType="clickEffect">
+                                  <p:stCondLst>
+                                    <p:cond delay="0"/>
+                                  </p:stCondLst>
+                                  <p:childTnLst>
+                                    <p:set>
+                                      <p:cBhvr>
+                                        <p:cTn id="11" dur="1" fill="hold">
+                                          <p:stCondLst>
+                                            <p:cond delay="0"/>
+                                          </p:stCondLst>
+                                        </p:cTn>
+                                        <p:tgtEl>
+                                          <p:spTgt spid="6">
+                                            <p:txEl>
+                                              <p:pRg st="1" end="1"/>
+                                            </p:txEl>
+                                          </p:spTgt>
+                                        </p:tgtEl>
+                                        <p:attrNameLst>
+                                          <p:attrName>style.visibility</p:attrName>
+                                        </p:attrNameLst>
+                                      </p:cBhvr>
+                                      <p:to>
+                                        <p:strVal val="visible"/>
+                                      </p:to>
+                                    </p:set>
+                                    <p:animEffect transition="in" filter="fade">
+                                      <p:cBhvr>
+                                        <p:cTn id="12" dur="500"/>
+                                        <p:tgtEl>
+                                          <p:spTgt spid="6">
+                                            <p:txEl>
+                                              <p:pRg st="1" end="1"/>
+                                            </p:txEl>
+                                          </p:spTgt>
+                                        </p:tgtEl>
+                                      </p:cBhvr>
+                                    </p:animEffect>
+                                  </p:childTnLst>
+                                </p:cTn>
+                              </p:par>
+                              <p:par>
+                                <p:cTn id="13" presetID="10" presetClass="entr" presetSubtype="0" fill="hold" grpId="0" nodeType="withEffect">
+                                  <p:stCondLst>
+                                    <p:cond delay="0"/>
+                                  </p:stCondLst>
+                                  <p:childTnLst>
+                                    <p:set>
+                                      <p:cBhvr>
+                                        <p:cTn id="14" dur="1" fill="hold">
+                                          <p:stCondLst>
+                                            <p:cond delay="0"/>
+                                          </p:stCondLst>
+                                        </p:cTn>
+                                        <p:tgtEl>
+                                          <p:spTgt spid="6">
+                                            <p:txEl>
+                                              <p:pRg st="2" end="2"/>
+                                            </p:txEl>
+                                          </p:spTgt>
+                                        </p:tgtEl>
+                                        <p:attrNameLst>
+                                          <p:attrName>style.visibility</p:attrName>
+                                        </p:attrNameLst>
+                                      </p:cBhvr>
+                                      <p:to>
+                                        <p:strVal val="visible"/>
+                                      </p:to>
+                                    </p:set>
+                                    <p:animEffect transition="in" filter="fade">
+                                      <p:cBhvr>
+                                        <p:cTn id="15" dur="500"/>
+                                        <p:tgtEl>
+                                          <p:spTgt spid="6">
+                                            <p:txEl>
+                                              <p:pRg st="2" end="2"/>
+                                            </p:txEl>
+                                          </p:spTgt>
+                                        </p:tgtEl>
+                                      </p:cBhvr>
+                                    </p:animEffect>
+                                  </p:childTnLst>
+                                </p:cTn>
+                              </p:par>
+                            </p:childTnLst>
+                          </p:cTn>
+                        </p:par>
+                      </p:childTnLst>
+                    </p:cTn>
+                  </p:par>
+                  <p:par>
+                    <p:cTn id="16" fill="hold">
+                      <p:stCondLst>
+                        <p:cond delay="indefinite"/>
+                      </p:stCondLst>
+                      <p:childTnLst>
+                        <p:par>
+                          <p:cTn id="17" fill="hold">
+                            <p:stCondLst>
+                              <p:cond delay="0"/>
+                            </p:stCondLst>
+                            <p:childTnLst>
+                              <p:par>
+                                <p:cTn id="18" presetID="10" presetClass="entr" presetSubtype="0" fill="hold" grpId="0" nodeType="clickEffect">
+                                  <p:stCondLst>
+                                    <p:cond delay="0"/>
+                                  </p:stCondLst>
+                                  <p:childTnLst>
+                                    <p:set>
+                                      <p:cBhvr>
+                                        <p:cTn id="19" dur="1" fill="hold">
+                                          <p:stCondLst>
+                                            <p:cond delay="0"/>
+                                          </p:stCondLst>
+                                        </p:cTn>
+                                        <p:tgtEl>
+                                          <p:spTgt spid="6">
+                                            <p:txEl>
+                                              <p:pRg st="3" end="3"/>
+                                            </p:txEl>
+                                          </p:spTgt>
+                                        </p:tgtEl>
+                                        <p:attrNameLst>
+                                          <p:attrName>style.visibility</p:attrName>
+                                        </p:attrNameLst>
+                                      </p:cBhvr>
+                                      <p:to>
+                                        <p:strVal val="visible"/>
+                                      </p:to>
+                                    </p:set>
+                                    <p:animEffect transition="in" filter="fade">
+                                      <p:cBhvr>
+                                        <p:cTn id="20" dur="500"/>
+                                        <p:tgtEl>
+                                          <p:spTgt spid="6">
+                                            <p:txEl>
+                                              <p:pRg st="3" end="3"/>
+                                            </p:txEl>
+                                          </p:spTgt>
+                                        </p:tgtEl>
+                                      </p:cBhvr>
+                                    </p:animEffect>
+                                  </p:childTnLst>
+                                </p:cTn>
+                              </p:par>
+                            </p:childTnLst>
+                          </p:cTn>
+                        </p:par>
+                      </p:childTnLst>
+                    </p:cTn>
+                  </p:par>
+                  <p:par>
+                    <p:cTn id="21" fill="hold">
+                      <p:stCondLst>
+                        <p:cond delay="indefinite"/>
+                      </p:stCondLst>
+                      <p:childTnLst>
+                        <p:par>
+                          <p:cTn id="22" fill="hold">
+                            <p:stCondLst>
+                              <p:cond delay="0"/>
+                            </p:stCondLst>
+                            <p:childTnLst>
+                              <p:par>
+                                <p:cTn id="23" presetID="10" presetClass="entr" presetSubtype="0" fill="hold" grpId="0" nodeType="clickEffect">
+                                  <p:stCondLst>
+                                    <p:cond delay="0"/>
+                                  </p:stCondLst>
+                                  <p:childTnLst>
+                                    <p:set>
+                                      <p:cBhvr>
+                                        <p:cTn id="24" dur="1" fill="hold">
+                                          <p:stCondLst>
+                                            <p:cond delay="0"/>
+                                          </p:stCondLst>
+                                        </p:cTn>
+                                        <p:tgtEl>
+                                          <p:spTgt spid="6">
+                                            <p:txEl>
+                                              <p:pRg st="4" end="4"/>
+                                            </p:txEl>
+                                          </p:spTgt>
+                                        </p:tgtEl>
+                                        <p:attrNameLst>
+                                          <p:attrName>style.visibility</p:attrName>
+                                        </p:attrNameLst>
+                                      </p:cBhvr>
+                                      <p:to>
+                                        <p:strVal val="visible"/>
+                                      </p:to>
+                                    </p:set>
+                                    <p:animEffect transition="in" filter="fade">
+                                      <p:cBhvr>
+                                        <p:cTn id="25" dur="500"/>
+                                        <p:tgtEl>
+                                          <p:spTgt spid="6">
+                                            <p:txEl>
+                                              <p:pRg st="4" end="4"/>
+                                            </p:txEl>
+                                          </p:spTgt>
+                                        </p:tgtEl>
+                                      </p:cBhvr>
+                                    </p:animEffect>
+                                  </p:childTnLst>
+                                </p:cTn>
+                              </p:par>
+                            </p:childTnLst>
+                          </p:cTn>
+                        </p:par>
+                      </p:childTnLst>
+                    </p:cTn>
+                  </p:par>
+                </p:childTnLst>
+              </p:cTn>
+              <p:prevCondLst>
+                <p:cond evt="onPrev" delay="0">
+                  <p:tgtEl>
+                    <p:sldTgt/>
+                  </p:tgtEl>
+                </p:cond>
+              </p:prevCondLst>
+              <p:nextCondLst>
+                <p:cond evt="onNext" delay="0">
+                  <p:tgtEl>
+                    <p:sldTgt/>
+                  </p:tgtEl>
+                </p:cond>
+              </p:nextCondLst>
+            </p:seq>
+          </p:childTnLst>
+        </p:cTn>
+      </p:par>
+    </p:tnLst>
+    <p:bldLst>
+      <p:bldP spid="6" grpId="0" build="p"/>
+    </p:bldLst>
+  </p:timing>
 </p:sld>
 </file>
 
@@ -12778,7 +14257,7 @@
             </a:r>
             <a:r>
               <a:rPr lang="en-US" sz="1800" dirty="0"/>
-              <a:t>:</a:t>
+              <a:t>, e.g.:</a:t>
             </a:r>
           </a:p>
           <a:p>
@@ -12936,135 +14415,156 @@
           </a:p>
         </p:txBody>
       </p:sp>
-      <p:sp>
-        <p:nvSpPr>
-          <p:cNvPr id="12" name="TextBox 11">
-            <a:extLst>
-              <a:ext uri="{FF2B5EF4-FFF2-40B4-BE49-F238E27FC236}">
-                <a16:creationId xmlns:a16="http://schemas.microsoft.com/office/drawing/2014/main" id="{89233723-D5B3-D1B2-5B7A-2909A3770400}"/>
-              </a:ext>
-            </a:extLst>
-          </p:cNvPr>
-          <p:cNvSpPr txBox="1"/>
+      <p:grpSp>
+        <p:nvGrpSpPr>
+          <p:cNvPr id="13" name="Group 12">
+            <a:extLst>
+              <a:ext uri="{FF2B5EF4-FFF2-40B4-BE49-F238E27FC236}">
+                <a16:creationId xmlns:a16="http://schemas.microsoft.com/office/drawing/2014/main" id="{8FC0B052-8A19-D7B6-4189-F85939AB49D4}"/>
+              </a:ext>
+            </a:extLst>
+          </p:cNvPr>
+          <p:cNvGrpSpPr/>
           <p:nvPr/>
-        </p:nvSpPr>
-        <p:spPr>
+        </p:nvGrpSpPr>
+        <p:grpSpPr>
           <a:xfrm>
-            <a:off x="5579723" y="5901137"/>
-            <a:ext cx="6097044" cy="246221"/>
+            <a:off x="5579723" y="2331898"/>
+            <a:ext cx="6285337" cy="3815460"/>
+            <a:chOff x="5579723" y="2331898"/>
+            <a:chExt cx="6285337" cy="3815460"/>
           </a:xfrm>
-          <a:prstGeom prst="rect">
-            <a:avLst/>
-          </a:prstGeom>
-          <a:noFill/>
-        </p:spPr>
-        <p:txBody>
-          <a:bodyPr wrap="square">
-            <a:spAutoFit/>
-          </a:bodyPr>
-          <a:lstStyle/>
-          <a:p>
-            <a:r>
-              <a:rPr lang="en-US" sz="1000" dirty="0">
+        </p:grpSpPr>
+        <p:sp>
+          <p:nvSpPr>
+            <p:cNvPr id="12" name="TextBox 11">
+              <a:extLst>
+                <a:ext uri="{FF2B5EF4-FFF2-40B4-BE49-F238E27FC236}">
+                  <a16:creationId xmlns:a16="http://schemas.microsoft.com/office/drawing/2014/main" id="{89233723-D5B3-D1B2-5B7A-2909A3770400}"/>
+                </a:ext>
+              </a:extLst>
+            </p:cNvPr>
+            <p:cNvSpPr txBox="1"/>
+            <p:nvPr/>
+          </p:nvSpPr>
+          <p:spPr>
+            <a:xfrm>
+              <a:off x="5579723" y="5901137"/>
+              <a:ext cx="6097044" cy="246221"/>
+            </a:xfrm>
+            <a:prstGeom prst="rect">
+              <a:avLst/>
+            </a:prstGeom>
+            <a:noFill/>
+          </p:spPr>
+          <p:txBody>
+            <a:bodyPr wrap="square">
+              <a:spAutoFit/>
+            </a:bodyPr>
+            <a:lstStyle/>
+            <a:p>
+              <a:r>
+                <a:rPr lang="en-US" sz="1000" dirty="0">
+                  <a:solidFill>
+                    <a:schemeClr val="accent6">
+                      <a:lumMod val="75000"/>
+                    </a:schemeClr>
+                  </a:solidFill>
+                </a:rPr>
+                <a:t>Source: </a:t>
+              </a:r>
+              <a:r>
+                <a:rPr lang="en-US" sz="1000" dirty="0">
+                  <a:solidFill>
+                    <a:schemeClr val="accent6">
+                      <a:lumMod val="75000"/>
+                    </a:schemeClr>
+                  </a:solidFill>
+                  <a:hlinkClick r:id="rId2">
+                    <a:extLst>
+                      <a:ext uri="{A12FA001-AC4F-418D-AE19-62706E023703}">
+                        <ahyp:hlinkClr xmlns:ahyp="http://schemas.microsoft.com/office/drawing/2018/hyperlinkcolor" val="tx"/>
+                      </a:ext>
+                    </a:extLst>
+                  </a:hlinkClick>
+                </a:rPr>
+                <a:t>https://jupyterlab.readthedocs.io/</a:t>
+              </a:r>
+              <a:r>
+                <a:rPr lang="en-US" sz="1000" dirty="0" err="1">
+                  <a:solidFill>
+                    <a:schemeClr val="accent6">
+                      <a:lumMod val="75000"/>
+                    </a:schemeClr>
+                  </a:solidFill>
+                  <a:hlinkClick r:id="rId2">
+                    <a:extLst>
+                      <a:ext uri="{A12FA001-AC4F-418D-AE19-62706E023703}">
+                        <ahyp:hlinkClr xmlns:ahyp="http://schemas.microsoft.com/office/drawing/2018/hyperlinkcolor" val="tx"/>
+                      </a:ext>
+                    </a:extLst>
+                  </a:hlinkClick>
+                </a:rPr>
+                <a:t>en</a:t>
+              </a:r>
+              <a:r>
+                <a:rPr lang="en-US" sz="1000" dirty="0">
+                  <a:solidFill>
+                    <a:schemeClr val="accent6">
+                      <a:lumMod val="75000"/>
+                    </a:schemeClr>
+                  </a:solidFill>
+                  <a:hlinkClick r:id="rId2">
+                    <a:extLst>
+                      <a:ext uri="{A12FA001-AC4F-418D-AE19-62706E023703}">
+                        <ahyp:hlinkClr xmlns:ahyp="http://schemas.microsoft.com/office/drawing/2018/hyperlinkcolor" val="tx"/>
+                      </a:ext>
+                    </a:extLst>
+                  </a:hlinkClick>
+                </a:rPr>
+                <a:t>/latest/</a:t>
+              </a:r>
+              <a:endParaRPr lang="en-US" sz="1000" dirty="0">
                 <a:solidFill>
                   <a:schemeClr val="accent6">
                     <a:lumMod val="75000"/>
                   </a:schemeClr>
                 </a:solidFill>
-              </a:rPr>
-              <a:t>Source: </a:t>
-            </a:r>
-            <a:r>
-              <a:rPr lang="en-US" sz="1000" dirty="0">
-                <a:solidFill>
-                  <a:schemeClr val="accent6">
-                    <a:lumMod val="75000"/>
-                  </a:schemeClr>
-                </a:solidFill>
-                <a:hlinkClick r:id="rId2">
-                  <a:extLst>
-                    <a:ext uri="{A12FA001-AC4F-418D-AE19-62706E023703}">
-                      <ahyp:hlinkClr xmlns:ahyp="http://schemas.microsoft.com/office/drawing/2018/hyperlinkcolor" val="tx"/>
-                    </a:ext>
-                  </a:extLst>
-                </a:hlinkClick>
-              </a:rPr>
-              <a:t>https://jupyterlab.readthedocs.io/</a:t>
-            </a:r>
-            <a:r>
-              <a:rPr lang="en-US" sz="1000" dirty="0" err="1">
-                <a:solidFill>
-                  <a:schemeClr val="accent6">
-                    <a:lumMod val="75000"/>
-                  </a:schemeClr>
-                </a:solidFill>
-                <a:hlinkClick r:id="rId2">
-                  <a:extLst>
-                    <a:ext uri="{A12FA001-AC4F-418D-AE19-62706E023703}">
-                      <ahyp:hlinkClr xmlns:ahyp="http://schemas.microsoft.com/office/drawing/2018/hyperlinkcolor" val="tx"/>
-                    </a:ext>
-                  </a:extLst>
-                </a:hlinkClick>
-              </a:rPr>
-              <a:t>en</a:t>
-            </a:r>
-            <a:r>
-              <a:rPr lang="en-US" sz="1000" dirty="0">
-                <a:solidFill>
-                  <a:schemeClr val="accent6">
-                    <a:lumMod val="75000"/>
-                  </a:schemeClr>
-                </a:solidFill>
-                <a:hlinkClick r:id="rId2">
-                  <a:extLst>
-                    <a:ext uri="{A12FA001-AC4F-418D-AE19-62706E023703}">
-                      <ahyp:hlinkClr xmlns:ahyp="http://schemas.microsoft.com/office/drawing/2018/hyperlinkcolor" val="tx"/>
-                    </a:ext>
-                  </a:extLst>
-                </a:hlinkClick>
-              </a:rPr>
-              <a:t>/latest/</a:t>
-            </a:r>
-            <a:endParaRPr lang="en-US" sz="1000" dirty="0">
-              <a:solidFill>
-                <a:schemeClr val="accent6">
-                  <a:lumMod val="75000"/>
-                </a:schemeClr>
-              </a:solidFill>
-            </a:endParaRPr>
-          </a:p>
-        </p:txBody>
-      </p:sp>
-      <p:pic>
-        <p:nvPicPr>
-          <p:cNvPr id="11" name="Picture 10">
-            <a:extLst>
-              <a:ext uri="{FF2B5EF4-FFF2-40B4-BE49-F238E27FC236}">
-                <a16:creationId xmlns:a16="http://schemas.microsoft.com/office/drawing/2014/main" id="{CCDE064C-4D79-D531-BE12-2B5D6FADB9BC}"/>
-              </a:ext>
-            </a:extLst>
-          </p:cNvPr>
-          <p:cNvPicPr>
-            <a:picLocks noChangeAspect="1"/>
-          </p:cNvPicPr>
-          <p:nvPr/>
-        </p:nvPicPr>
-        <p:blipFill>
-          <a:blip r:embed="rId3"/>
-          <a:stretch>
-            <a:fillRect/>
-          </a:stretch>
-        </p:blipFill>
-        <p:spPr>
-          <a:xfrm>
-            <a:off x="5579723" y="2331898"/>
-            <a:ext cx="6285337" cy="3535502"/>
-          </a:xfrm>
-          <a:prstGeom prst="rect">
-            <a:avLst/>
-          </a:prstGeom>
-        </p:spPr>
-      </p:pic>
+              </a:endParaRPr>
+            </a:p>
+          </p:txBody>
+        </p:sp>
+        <p:pic>
+          <p:nvPicPr>
+            <p:cNvPr id="11" name="Picture 10">
+              <a:extLst>
+                <a:ext uri="{FF2B5EF4-FFF2-40B4-BE49-F238E27FC236}">
+                  <a16:creationId xmlns:a16="http://schemas.microsoft.com/office/drawing/2014/main" id="{CCDE064C-4D79-D531-BE12-2B5D6FADB9BC}"/>
+                </a:ext>
+              </a:extLst>
+            </p:cNvPr>
+            <p:cNvPicPr>
+              <a:picLocks noChangeAspect="1"/>
+            </p:cNvPicPr>
+            <p:nvPr/>
+          </p:nvPicPr>
+          <p:blipFill>
+            <a:blip r:embed="rId3"/>
+            <a:stretch>
+              <a:fillRect/>
+            </a:stretch>
+          </p:blipFill>
+          <p:spPr>
+            <a:xfrm>
+              <a:off x="5579723" y="2331898"/>
+              <a:ext cx="6285337" cy="3535502"/>
+            </a:xfrm>
+            <a:prstGeom prst="rect">
+              <a:avLst/>
+            </a:prstGeom>
+          </p:spPr>
+        </p:pic>
+      </p:grpSp>
     </p:spTree>
     <p:extLst>
       <p:ext uri="{BB962C8B-B14F-4D97-AF65-F5344CB8AC3E}">
@@ -13087,6 +14587,318 @@
       </p:transition>
     </mc:Fallback>
   </mc:AlternateContent>
+  <p:timing>
+    <p:tnLst>
+      <p:par>
+        <p:cTn id="1" dur="indefinite" restart="never" nodeType="tmRoot">
+          <p:childTnLst>
+            <p:seq concurrent="1" nextAc="seek">
+              <p:cTn id="2" dur="indefinite" nodeType="mainSeq">
+                <p:childTnLst>
+                  <p:par>
+                    <p:cTn id="3" fill="hold">
+                      <p:stCondLst>
+                        <p:cond delay="indefinite"/>
+                      </p:stCondLst>
+                      <p:childTnLst>
+                        <p:par>
+                          <p:cTn id="4" fill="hold">
+                            <p:stCondLst>
+                              <p:cond delay="0"/>
+                            </p:stCondLst>
+                            <p:childTnLst>
+                              <p:par>
+                                <p:cTn id="5" presetID="10" presetClass="entr" presetSubtype="0" fill="hold" grpId="0" nodeType="clickEffect">
+                                  <p:stCondLst>
+                                    <p:cond delay="0"/>
+                                  </p:stCondLst>
+                                  <p:childTnLst>
+                                    <p:set>
+                                      <p:cBhvr>
+                                        <p:cTn id="6" dur="1" fill="hold">
+                                          <p:stCondLst>
+                                            <p:cond delay="0"/>
+                                          </p:stCondLst>
+                                        </p:cTn>
+                                        <p:tgtEl>
+                                          <p:spTgt spid="6">
+                                            <p:txEl>
+                                              <p:pRg st="0" end="0"/>
+                                            </p:txEl>
+                                          </p:spTgt>
+                                        </p:tgtEl>
+                                        <p:attrNameLst>
+                                          <p:attrName>style.visibility</p:attrName>
+                                        </p:attrNameLst>
+                                      </p:cBhvr>
+                                      <p:to>
+                                        <p:strVal val="visible"/>
+                                      </p:to>
+                                    </p:set>
+                                    <p:animEffect transition="in" filter="fade">
+                                      <p:cBhvr>
+                                        <p:cTn id="7" dur="500"/>
+                                        <p:tgtEl>
+                                          <p:spTgt spid="6">
+                                            <p:txEl>
+                                              <p:pRg st="0" end="0"/>
+                                            </p:txEl>
+                                          </p:spTgt>
+                                        </p:tgtEl>
+                                      </p:cBhvr>
+                                    </p:animEffect>
+                                  </p:childTnLst>
+                                </p:cTn>
+                              </p:par>
+                            </p:childTnLst>
+                          </p:cTn>
+                        </p:par>
+                      </p:childTnLst>
+                    </p:cTn>
+                  </p:par>
+                  <p:par>
+                    <p:cTn id="8" fill="hold">
+                      <p:stCondLst>
+                        <p:cond delay="indefinite"/>
+                      </p:stCondLst>
+                      <p:childTnLst>
+                        <p:par>
+                          <p:cTn id="9" fill="hold">
+                            <p:stCondLst>
+                              <p:cond delay="0"/>
+                            </p:stCondLst>
+                            <p:childTnLst>
+                              <p:par>
+                                <p:cTn id="10" presetID="10" presetClass="entr" presetSubtype="0" fill="hold" grpId="0" nodeType="clickEffect">
+                                  <p:stCondLst>
+                                    <p:cond delay="0"/>
+                                  </p:stCondLst>
+                                  <p:childTnLst>
+                                    <p:set>
+                                      <p:cBhvr>
+                                        <p:cTn id="11" dur="1" fill="hold">
+                                          <p:stCondLst>
+                                            <p:cond delay="0"/>
+                                          </p:stCondLst>
+                                        </p:cTn>
+                                        <p:tgtEl>
+                                          <p:spTgt spid="6">
+                                            <p:txEl>
+                                              <p:pRg st="1" end="1"/>
+                                            </p:txEl>
+                                          </p:spTgt>
+                                        </p:tgtEl>
+                                        <p:attrNameLst>
+                                          <p:attrName>style.visibility</p:attrName>
+                                        </p:attrNameLst>
+                                      </p:cBhvr>
+                                      <p:to>
+                                        <p:strVal val="visible"/>
+                                      </p:to>
+                                    </p:set>
+                                    <p:animEffect transition="in" filter="fade">
+                                      <p:cBhvr>
+                                        <p:cTn id="12" dur="500"/>
+                                        <p:tgtEl>
+                                          <p:spTgt spid="6">
+                                            <p:txEl>
+                                              <p:pRg st="1" end="1"/>
+                                            </p:txEl>
+                                          </p:spTgt>
+                                        </p:tgtEl>
+                                      </p:cBhvr>
+                                    </p:animEffect>
+                                  </p:childTnLst>
+                                </p:cTn>
+                              </p:par>
+                            </p:childTnLst>
+                          </p:cTn>
+                        </p:par>
+                      </p:childTnLst>
+                    </p:cTn>
+                  </p:par>
+                  <p:par>
+                    <p:cTn id="13" fill="hold">
+                      <p:stCondLst>
+                        <p:cond delay="indefinite"/>
+                      </p:stCondLst>
+                      <p:childTnLst>
+                        <p:par>
+                          <p:cTn id="14" fill="hold">
+                            <p:stCondLst>
+                              <p:cond delay="0"/>
+                            </p:stCondLst>
+                            <p:childTnLst>
+                              <p:par>
+                                <p:cTn id="15" presetID="10" presetClass="entr" presetSubtype="0" fill="hold" grpId="0" nodeType="clickEffect">
+                                  <p:stCondLst>
+                                    <p:cond delay="0"/>
+                                  </p:stCondLst>
+                                  <p:childTnLst>
+                                    <p:set>
+                                      <p:cBhvr>
+                                        <p:cTn id="16" dur="1" fill="hold">
+                                          <p:stCondLst>
+                                            <p:cond delay="0"/>
+                                          </p:stCondLst>
+                                        </p:cTn>
+                                        <p:tgtEl>
+                                          <p:spTgt spid="6">
+                                            <p:txEl>
+                                              <p:pRg st="2" end="2"/>
+                                            </p:txEl>
+                                          </p:spTgt>
+                                        </p:tgtEl>
+                                        <p:attrNameLst>
+                                          <p:attrName>style.visibility</p:attrName>
+                                        </p:attrNameLst>
+                                      </p:cBhvr>
+                                      <p:to>
+                                        <p:strVal val="visible"/>
+                                      </p:to>
+                                    </p:set>
+                                    <p:animEffect transition="in" filter="fade">
+                                      <p:cBhvr>
+                                        <p:cTn id="17" dur="500"/>
+                                        <p:tgtEl>
+                                          <p:spTgt spid="6">
+                                            <p:txEl>
+                                              <p:pRg st="2" end="2"/>
+                                            </p:txEl>
+                                          </p:spTgt>
+                                        </p:tgtEl>
+                                      </p:cBhvr>
+                                    </p:animEffect>
+                                  </p:childTnLst>
+                                </p:cTn>
+                              </p:par>
+                            </p:childTnLst>
+                          </p:cTn>
+                        </p:par>
+                      </p:childTnLst>
+                    </p:cTn>
+                  </p:par>
+                  <p:par>
+                    <p:cTn id="18" fill="hold">
+                      <p:stCondLst>
+                        <p:cond delay="indefinite"/>
+                      </p:stCondLst>
+                      <p:childTnLst>
+                        <p:par>
+                          <p:cTn id="19" fill="hold">
+                            <p:stCondLst>
+                              <p:cond delay="0"/>
+                            </p:stCondLst>
+                            <p:childTnLst>
+                              <p:par>
+                                <p:cTn id="20" presetID="10" presetClass="entr" presetSubtype="0" fill="hold" grpId="0" nodeType="clickEffect">
+                                  <p:stCondLst>
+                                    <p:cond delay="0"/>
+                                  </p:stCondLst>
+                                  <p:childTnLst>
+                                    <p:set>
+                                      <p:cBhvr>
+                                        <p:cTn id="21" dur="1" fill="hold">
+                                          <p:stCondLst>
+                                            <p:cond delay="0"/>
+                                          </p:stCondLst>
+                                        </p:cTn>
+                                        <p:tgtEl>
+                                          <p:spTgt spid="6">
+                                            <p:txEl>
+                                              <p:pRg st="3" end="3"/>
+                                            </p:txEl>
+                                          </p:spTgt>
+                                        </p:tgtEl>
+                                        <p:attrNameLst>
+                                          <p:attrName>style.visibility</p:attrName>
+                                        </p:attrNameLst>
+                                      </p:cBhvr>
+                                      <p:to>
+                                        <p:strVal val="visible"/>
+                                      </p:to>
+                                    </p:set>
+                                    <p:animEffect transition="in" filter="fade">
+                                      <p:cBhvr>
+                                        <p:cTn id="22" dur="500"/>
+                                        <p:tgtEl>
+                                          <p:spTgt spid="6">
+                                            <p:txEl>
+                                              <p:pRg st="3" end="3"/>
+                                            </p:txEl>
+                                          </p:spTgt>
+                                        </p:tgtEl>
+                                      </p:cBhvr>
+                                    </p:animEffect>
+                                  </p:childTnLst>
+                                </p:cTn>
+                              </p:par>
+                              <p:par>
+                                <p:cTn id="23" presetID="10" presetClass="entr" presetSubtype="0" fill="hold" nodeType="withEffect">
+                                  <p:stCondLst>
+                                    <p:cond delay="0"/>
+                                  </p:stCondLst>
+                                  <p:childTnLst>
+                                    <p:set>
+                                      <p:cBhvr>
+                                        <p:cTn id="24" dur="1" fill="hold">
+                                          <p:stCondLst>
+                                            <p:cond delay="0"/>
+                                          </p:stCondLst>
+                                        </p:cTn>
+                                        <p:tgtEl>
+                                          <p:spTgt spid="13"/>
+                                        </p:tgtEl>
+                                        <p:attrNameLst>
+                                          <p:attrName>style.visibility</p:attrName>
+                                        </p:attrNameLst>
+                                      </p:cBhvr>
+                                      <p:to>
+                                        <p:strVal val="visible"/>
+                                      </p:to>
+                                    </p:set>
+                                    <p:animEffect transition="in" filter="fade">
+                                      <p:cBhvr>
+                                        <p:cTn id="25" dur="500"/>
+                                        <p:tgtEl>
+                                          <p:spTgt spid="13"/>
+                                        </p:tgtEl>
+                                      </p:cBhvr>
+                                    </p:animEffect>
+                                  </p:childTnLst>
+                                </p:cTn>
+                              </p:par>
+                            </p:childTnLst>
+                          </p:cTn>
+                        </p:par>
+                      </p:childTnLst>
+                    </p:cTn>
+                  </p:par>
+                </p:childTnLst>
+              </p:cTn>
+              <p:prevCondLst>
+                <p:cond evt="onPrev" delay="0">
+                  <p:tgtEl>
+                    <p:sldTgt/>
+                  </p:tgtEl>
+                </p:cond>
+              </p:prevCondLst>
+              <p:nextCondLst>
+                <p:cond evt="onNext" delay="0">
+                  <p:tgtEl>
+                    <p:sldTgt/>
+                  </p:tgtEl>
+                </p:cond>
+              </p:nextCondLst>
+            </p:seq>
+          </p:childTnLst>
+        </p:cTn>
+      </p:par>
+    </p:tnLst>
+    <p:bldLst>
+      <p:bldP spid="6" grpId="0" uiExpand="1" build="p"/>
+    </p:bldLst>
+  </p:timing>
 </p:sld>
 </file>
 
@@ -13143,7 +14955,7 @@
             </a:r>
             <a:r>
               <a:rPr lang="en-US" sz="1800" dirty="0"/>
-              <a:t>:</a:t>
+              <a:t>, e.g.:</a:t>
             </a:r>
           </a:p>
           <a:p>
@@ -13554,16 +15366,17 @@
               <a:t>(</a:t>
             </a:r>
             <a:r>
-              <a:rPr lang="en-US" sz="1800" dirty="0" err="1">
+              <a:rPr lang="en-US" sz="1800" dirty="0">
                 <a:latin typeface="National 2" panose="020B0504030502020203" pitchFamily="34" charset="77"/>
+                <a:hlinkClick r:id="rId2"/>
               </a:rPr>
-              <a:t>www.jupyter.org</a:t>
+              <a:t>www.jupyter.org/install</a:t>
             </a:r>
             <a:r>
               <a:rPr lang="en-US" sz="1800" dirty="0">
                 <a:latin typeface="National 2" panose="020B0504030502020203" pitchFamily="34" charset="77"/>
               </a:rPr>
-              <a:t>/install)</a:t>
+              <a:t>)</a:t>
             </a:r>
           </a:p>
           <a:p>
@@ -13612,7 +15425,7 @@
             </a:r>
             <a:r>
               <a:rPr lang="en-US" sz="1800" dirty="0">
-                <a:hlinkClick r:id="rId2"/>
+                <a:hlinkClick r:id="rId3"/>
               </a:rPr>
               <a:t>PyCharm</a:t>
             </a:r>
@@ -13622,7 +15435,7 @@
             </a:r>
             <a:r>
               <a:rPr lang="en-US" sz="1800" dirty="0">
-                <a:hlinkClick r:id="rId3"/>
+                <a:hlinkClick r:id="rId4"/>
               </a:rPr>
               <a:t>Visual Studio Code</a:t>
             </a:r>
@@ -13671,7 +15484,7 @@
             </a:r>
             <a:r>
               <a:rPr lang="en-US" sz="1800" dirty="0">
-                <a:hlinkClick r:id="rId4"/>
+                <a:hlinkClick r:id="rId5"/>
               </a:rPr>
               <a:t>jhub.dartmouth.edu</a:t>
             </a:r>
@@ -13867,7 +15680,7 @@
           <p:nvPr/>
         </p:nvPicPr>
         <p:blipFill>
-          <a:blip r:embed="rId5"/>
+          <a:blip r:embed="rId6"/>
           <a:stretch>
             <a:fillRect/>
           </a:stretch>
@@ -14124,180 +15937,201 @@
           </a:p>
         </p:txBody>
       </p:sp>
-      <p:pic>
-        <p:nvPicPr>
-          <p:cNvPr id="3074" name="Picture 2">
-            <a:extLst>
-              <a:ext uri="{FF2B5EF4-FFF2-40B4-BE49-F238E27FC236}">
-                <a16:creationId xmlns:a16="http://schemas.microsoft.com/office/drawing/2014/main" id="{593C93C7-5F6E-3331-C5B2-169142A99237}"/>
-              </a:ext>
-            </a:extLst>
-          </p:cNvPr>
-          <p:cNvPicPr>
-            <a:picLocks noChangeAspect="1" noChangeArrowheads="1"/>
-          </p:cNvPicPr>
+      <p:grpSp>
+        <p:nvGrpSpPr>
+          <p:cNvPr id="19" name="Group 18">
+            <a:extLst>
+              <a:ext uri="{FF2B5EF4-FFF2-40B4-BE49-F238E27FC236}">
+                <a16:creationId xmlns:a16="http://schemas.microsoft.com/office/drawing/2014/main" id="{3B6C6404-FAC8-8441-55FE-C6037B05C9A6}"/>
+              </a:ext>
+            </a:extLst>
+          </p:cNvPr>
+          <p:cNvGrpSpPr/>
           <p:nvPr/>
-        </p:nvPicPr>
-        <p:blipFill>
-          <a:blip r:embed="rId7">
-            <a:extLst>
-              <a:ext uri="{28A0092B-C50C-407E-A947-70E740481C1C}">
-                <a14:useLocalDpi xmlns:a14="http://schemas.microsoft.com/office/drawing/2010/main" val="0"/>
-              </a:ext>
-            </a:extLst>
-          </a:blip>
-          <a:srcRect/>
-          <a:stretch>
-            <a:fillRect/>
-          </a:stretch>
-        </p:blipFill>
-        <p:spPr bwMode="auto">
+        </p:nvGrpSpPr>
+        <p:grpSpPr>
           <a:xfrm>
-            <a:off x="6697196" y="2329212"/>
-            <a:ext cx="4498534" cy="4191000"/>
+            <a:off x="6697196" y="490958"/>
+            <a:ext cx="4929421" cy="6097162"/>
+            <a:chOff x="6697196" y="490958"/>
+            <a:chExt cx="4929421" cy="6097162"/>
           </a:xfrm>
-          <a:prstGeom prst="rect">
-            <a:avLst/>
-          </a:prstGeom>
-          <a:noFill/>
-          <a:extLst>
-            <a:ext uri="{909E8E84-426E-40DD-AFC4-6F175D3DCCD1}">
-              <a14:hiddenFill xmlns:a14="http://schemas.microsoft.com/office/drawing/2010/main">
-                <a:solidFill>
-                  <a:srgbClr val="FFFFFF"/>
-                </a:solidFill>
-              </a14:hiddenFill>
-            </a:ext>
-          </a:extLst>
-        </p:spPr>
-      </p:pic>
-      <p:sp>
-        <p:nvSpPr>
-          <p:cNvPr id="8" name="TextBox 7">
-            <a:extLst>
-              <a:ext uri="{FF2B5EF4-FFF2-40B4-BE49-F238E27FC236}">
-                <a16:creationId xmlns:a16="http://schemas.microsoft.com/office/drawing/2014/main" id="{D063DCA6-CAED-616B-EBAD-5601230CDF49}"/>
-              </a:ext>
-            </a:extLst>
-          </p:cNvPr>
-          <p:cNvSpPr txBox="1"/>
-          <p:nvPr/>
-        </p:nvSpPr>
-        <p:spPr>
-          <a:xfrm rot="16200000">
-            <a:off x="8362593" y="3324095"/>
-            <a:ext cx="6097162" cy="430887"/>
-          </a:xfrm>
-          <a:prstGeom prst="rect">
-            <a:avLst/>
-          </a:prstGeom>
-          <a:noFill/>
-        </p:spPr>
-        <p:txBody>
-          <a:bodyPr wrap="square">
-            <a:spAutoFit/>
-          </a:bodyPr>
-          <a:lstStyle/>
-          <a:p>
-            <a:r>
-              <a:rPr lang="en-US" sz="1050" dirty="0">
-                <a:solidFill>
-                  <a:schemeClr val="accent6">
-                    <a:lumMod val="75000"/>
-                  </a:schemeClr>
-                </a:solidFill>
-              </a:rPr>
-              <a:t>NASA/ESA/</a:t>
-            </a:r>
-            <a:r>
-              <a:rPr lang="en-US" sz="1050" dirty="0" err="1">
-                <a:solidFill>
-                  <a:schemeClr val="accent6">
-                    <a:lumMod val="75000"/>
-                  </a:schemeClr>
-                </a:solidFill>
-              </a:rPr>
-              <a:t>NOIRLab</a:t>
-            </a:r>
-            <a:r>
-              <a:rPr lang="en-US" sz="1050" dirty="0">
-                <a:solidFill>
-                  <a:schemeClr val="accent6">
-                    <a:lumMod val="75000"/>
-                  </a:schemeClr>
-                </a:solidFill>
-              </a:rPr>
-              <a:t>/NSF/AURA/M.H. Wong and I. de Pater (UC Berkeley)</a:t>
-            </a:r>
-            <a:br>
-              <a:rPr lang="en-US" sz="1050" dirty="0">
-                <a:solidFill>
-                  <a:schemeClr val="accent6">
-                    <a:lumMod val="75000"/>
-                  </a:schemeClr>
-                </a:solidFill>
-              </a:rPr>
-            </a:br>
-            <a:r>
-              <a:rPr lang="en-US" sz="1050" dirty="0">
-                <a:solidFill>
-                  <a:schemeClr val="accent6">
-                    <a:lumMod val="75000"/>
-                  </a:schemeClr>
-                </a:solidFill>
-              </a:rPr>
-              <a:t>et </a:t>
-            </a:r>
-            <a:r>
-              <a:rPr lang="en-US" sz="1050" dirty="0" err="1">
-                <a:solidFill>
-                  <a:schemeClr val="accent6">
-                    <a:lumMod val="75000"/>
-                  </a:schemeClr>
-                </a:solidFill>
-              </a:rPr>
-              <a:t>al.Acknowledgments</a:t>
-            </a:r>
-            <a:r>
-              <a:rPr lang="en-US" sz="1050" dirty="0">
-                <a:solidFill>
-                  <a:schemeClr val="accent6">
-                    <a:lumMod val="75000"/>
-                  </a:schemeClr>
-                </a:solidFill>
-              </a:rPr>
-              <a:t>: M. Zamani, </a:t>
-            </a:r>
-            <a:r>
-              <a:rPr lang="en-US" sz="1050" dirty="0">
-                <a:solidFill>
-                  <a:schemeClr val="accent6">
-                    <a:lumMod val="75000"/>
-                  </a:schemeClr>
-                </a:solidFill>
-                <a:hlinkClick r:id="rId8">
-                  <a:extLst>
-                    <a:ext uri="{A12FA001-AC4F-418D-AE19-62706E023703}">
-                      <ahyp:hlinkClr xmlns:ahyp="http://schemas.microsoft.com/office/drawing/2018/hyperlinkcolor" val="tx"/>
-                    </a:ext>
-                  </a:extLst>
-                </a:hlinkClick>
-              </a:rPr>
-              <a:t>CC BY 4.0</a:t>
-            </a:r>
-            <a:r>
-              <a:rPr lang="en-US" sz="1050" dirty="0">
-                <a:solidFill>
-                  <a:schemeClr val="accent6">
-                    <a:lumMod val="75000"/>
-                  </a:schemeClr>
-                </a:solidFill>
-              </a:rPr>
-              <a:t>, via Wikimedia Commons</a:t>
-            </a:r>
-          </a:p>
-        </p:txBody>
-      </p:sp>
+        </p:grpSpPr>
+        <p:pic>
+          <p:nvPicPr>
+            <p:cNvPr id="3074" name="Picture 2">
+              <a:extLst>
+                <a:ext uri="{FF2B5EF4-FFF2-40B4-BE49-F238E27FC236}">
+                  <a16:creationId xmlns:a16="http://schemas.microsoft.com/office/drawing/2014/main" id="{593C93C7-5F6E-3331-C5B2-169142A99237}"/>
+                </a:ext>
+              </a:extLst>
+            </p:cNvPr>
+            <p:cNvPicPr>
+              <a:picLocks noChangeAspect="1" noChangeArrowheads="1"/>
+            </p:cNvPicPr>
+            <p:nvPr/>
+          </p:nvPicPr>
+          <p:blipFill>
+            <a:blip r:embed="rId7">
+              <a:extLst>
+                <a:ext uri="{28A0092B-C50C-407E-A947-70E740481C1C}">
+                  <a14:useLocalDpi xmlns:a14="http://schemas.microsoft.com/office/drawing/2010/main" val="0"/>
+                </a:ext>
+              </a:extLst>
+            </a:blip>
+            <a:srcRect/>
+            <a:stretch>
+              <a:fillRect/>
+            </a:stretch>
+          </p:blipFill>
+          <p:spPr bwMode="auto">
+            <a:xfrm>
+              <a:off x="6697196" y="2329212"/>
+              <a:ext cx="4498534" cy="4191000"/>
+            </a:xfrm>
+            <a:prstGeom prst="rect">
+              <a:avLst/>
+            </a:prstGeom>
+            <a:noFill/>
+            <a:extLst>
+              <a:ext uri="{909E8E84-426E-40DD-AFC4-6F175D3DCCD1}">
+                <a14:hiddenFill xmlns:a14="http://schemas.microsoft.com/office/drawing/2010/main">
+                  <a:solidFill>
+                    <a:srgbClr val="FFFFFF"/>
+                  </a:solidFill>
+                </a14:hiddenFill>
+              </a:ext>
+            </a:extLst>
+          </p:spPr>
+        </p:pic>
+        <p:sp>
+          <p:nvSpPr>
+            <p:cNvPr id="8" name="TextBox 7">
+              <a:extLst>
+                <a:ext uri="{FF2B5EF4-FFF2-40B4-BE49-F238E27FC236}">
+                  <a16:creationId xmlns:a16="http://schemas.microsoft.com/office/drawing/2014/main" id="{D063DCA6-CAED-616B-EBAD-5601230CDF49}"/>
+                </a:ext>
+              </a:extLst>
+            </p:cNvPr>
+            <p:cNvSpPr txBox="1"/>
+            <p:nvPr/>
+          </p:nvSpPr>
+          <p:spPr>
+            <a:xfrm rot="16200000">
+              <a:off x="8362593" y="3324095"/>
+              <a:ext cx="6097162" cy="430887"/>
+            </a:xfrm>
+            <a:prstGeom prst="rect">
+              <a:avLst/>
+            </a:prstGeom>
+            <a:noFill/>
+          </p:spPr>
+          <p:txBody>
+            <a:bodyPr wrap="square">
+              <a:spAutoFit/>
+            </a:bodyPr>
+            <a:lstStyle/>
+            <a:p>
+              <a:r>
+                <a:rPr lang="en-US" sz="1050" dirty="0">
+                  <a:solidFill>
+                    <a:schemeClr val="accent6">
+                      <a:lumMod val="75000"/>
+                    </a:schemeClr>
+                  </a:solidFill>
+                </a:rPr>
+                <a:t>NASA/ESA/</a:t>
+              </a:r>
+              <a:r>
+                <a:rPr lang="en-US" sz="1050" dirty="0" err="1">
+                  <a:solidFill>
+                    <a:schemeClr val="accent6">
+                      <a:lumMod val="75000"/>
+                    </a:schemeClr>
+                  </a:solidFill>
+                </a:rPr>
+                <a:t>NOIRLab</a:t>
+              </a:r>
+              <a:r>
+                <a:rPr lang="en-US" sz="1050" dirty="0">
+                  <a:solidFill>
+                    <a:schemeClr val="accent6">
+                      <a:lumMod val="75000"/>
+                    </a:schemeClr>
+                  </a:solidFill>
+                </a:rPr>
+                <a:t>/NSF/AURA/M.H. Wong and I. de Pater (UC Berkeley)</a:t>
+              </a:r>
+              <a:br>
+                <a:rPr lang="en-US" sz="1050" dirty="0">
+                  <a:solidFill>
+                    <a:schemeClr val="accent6">
+                      <a:lumMod val="75000"/>
+                    </a:schemeClr>
+                  </a:solidFill>
+                </a:rPr>
+              </a:br>
+              <a:r>
+                <a:rPr lang="en-US" sz="1050" dirty="0">
+                  <a:solidFill>
+                    <a:schemeClr val="accent6">
+                      <a:lumMod val="75000"/>
+                    </a:schemeClr>
+                  </a:solidFill>
+                </a:rPr>
+                <a:t>et </a:t>
+              </a:r>
+              <a:r>
+                <a:rPr lang="en-US" sz="1050" dirty="0" err="1">
+                  <a:solidFill>
+                    <a:schemeClr val="accent6">
+                      <a:lumMod val="75000"/>
+                    </a:schemeClr>
+                  </a:solidFill>
+                </a:rPr>
+                <a:t>al.Acknowledgments</a:t>
+              </a:r>
+              <a:r>
+                <a:rPr lang="en-US" sz="1050" dirty="0">
+                  <a:solidFill>
+                    <a:schemeClr val="accent6">
+                      <a:lumMod val="75000"/>
+                    </a:schemeClr>
+                  </a:solidFill>
+                </a:rPr>
+                <a:t>: M. Zamani, </a:t>
+              </a:r>
+              <a:r>
+                <a:rPr lang="en-US" sz="1050" dirty="0">
+                  <a:solidFill>
+                    <a:schemeClr val="accent6">
+                      <a:lumMod val="75000"/>
+                    </a:schemeClr>
+                  </a:solidFill>
+                  <a:hlinkClick r:id="rId8">
+                    <a:extLst>
+                      <a:ext uri="{A12FA001-AC4F-418D-AE19-62706E023703}">
+                        <ahyp:hlinkClr xmlns:ahyp="http://schemas.microsoft.com/office/drawing/2018/hyperlinkcolor" val="tx"/>
+                      </a:ext>
+                    </a:extLst>
+                  </a:hlinkClick>
+                </a:rPr>
+                <a:t>CC BY 4.0</a:t>
+              </a:r>
+              <a:r>
+                <a:rPr lang="en-US" sz="1050" dirty="0">
+                  <a:solidFill>
+                    <a:schemeClr val="accent6">
+                      <a:lumMod val="75000"/>
+                    </a:schemeClr>
+                  </a:solidFill>
+                </a:rPr>
+                <a:t>, via Wikimedia Commons</a:t>
+              </a:r>
+            </a:p>
+          </p:txBody>
+        </p:sp>
+      </p:grpSp>
       <p:sp>
         <p:nvSpPr>
           <p:cNvPr id="18" name="Freeform 17">
@@ -14986,6 +16820,405 @@
       </p:transition>
     </mc:Fallback>
   </mc:AlternateContent>
+  <p:timing>
+    <p:tnLst>
+      <p:par>
+        <p:cTn id="1" dur="indefinite" restart="never" nodeType="tmRoot">
+          <p:childTnLst>
+            <p:seq concurrent="1" nextAc="seek">
+              <p:cTn id="2" dur="indefinite" nodeType="mainSeq">
+                <p:childTnLst>
+                  <p:par>
+                    <p:cTn id="3" fill="hold">
+                      <p:stCondLst>
+                        <p:cond delay="indefinite"/>
+                      </p:stCondLst>
+                      <p:childTnLst>
+                        <p:par>
+                          <p:cTn id="4" fill="hold">
+                            <p:stCondLst>
+                              <p:cond delay="0"/>
+                            </p:stCondLst>
+                            <p:childTnLst>
+                              <p:par>
+                                <p:cTn id="5" presetID="10" presetClass="entr" presetSubtype="0" fill="hold" grpId="0" nodeType="clickEffect">
+                                  <p:stCondLst>
+                                    <p:cond delay="0"/>
+                                  </p:stCondLst>
+                                  <p:childTnLst>
+                                    <p:set>
+                                      <p:cBhvr>
+                                        <p:cTn id="6" dur="1" fill="hold">
+                                          <p:stCondLst>
+                                            <p:cond delay="0"/>
+                                          </p:stCondLst>
+                                        </p:cTn>
+                                        <p:tgtEl>
+                                          <p:spTgt spid="2">
+                                            <p:txEl>
+                                              <p:pRg st="0" end="0"/>
+                                            </p:txEl>
+                                          </p:spTgt>
+                                        </p:tgtEl>
+                                        <p:attrNameLst>
+                                          <p:attrName>style.visibility</p:attrName>
+                                        </p:attrNameLst>
+                                      </p:cBhvr>
+                                      <p:to>
+                                        <p:strVal val="visible"/>
+                                      </p:to>
+                                    </p:set>
+                                    <p:animEffect transition="in" filter="fade">
+                                      <p:cBhvr>
+                                        <p:cTn id="7" dur="500"/>
+                                        <p:tgtEl>
+                                          <p:spTgt spid="2">
+                                            <p:txEl>
+                                              <p:pRg st="0" end="0"/>
+                                            </p:txEl>
+                                          </p:spTgt>
+                                        </p:tgtEl>
+                                      </p:cBhvr>
+                                    </p:animEffect>
+                                  </p:childTnLst>
+                                </p:cTn>
+                              </p:par>
+                            </p:childTnLst>
+                          </p:cTn>
+                        </p:par>
+                      </p:childTnLst>
+                    </p:cTn>
+                  </p:par>
+                  <p:par>
+                    <p:cTn id="8" fill="hold">
+                      <p:stCondLst>
+                        <p:cond delay="indefinite"/>
+                      </p:stCondLst>
+                      <p:childTnLst>
+                        <p:par>
+                          <p:cTn id="9" fill="hold">
+                            <p:stCondLst>
+                              <p:cond delay="0"/>
+                            </p:stCondLst>
+                            <p:childTnLst>
+                              <p:par>
+                                <p:cTn id="10" presetID="10" presetClass="entr" presetSubtype="0" fill="hold" grpId="0" nodeType="clickEffect">
+                                  <p:stCondLst>
+                                    <p:cond delay="0"/>
+                                  </p:stCondLst>
+                                  <p:childTnLst>
+                                    <p:set>
+                                      <p:cBhvr>
+                                        <p:cTn id="11" dur="1" fill="hold">
+                                          <p:stCondLst>
+                                            <p:cond delay="0"/>
+                                          </p:stCondLst>
+                                        </p:cTn>
+                                        <p:tgtEl>
+                                          <p:spTgt spid="2">
+                                            <p:txEl>
+                                              <p:pRg st="1" end="1"/>
+                                            </p:txEl>
+                                          </p:spTgt>
+                                        </p:tgtEl>
+                                        <p:attrNameLst>
+                                          <p:attrName>style.visibility</p:attrName>
+                                        </p:attrNameLst>
+                                      </p:cBhvr>
+                                      <p:to>
+                                        <p:strVal val="visible"/>
+                                      </p:to>
+                                    </p:set>
+                                    <p:animEffect transition="in" filter="fade">
+                                      <p:cBhvr>
+                                        <p:cTn id="12" dur="500"/>
+                                        <p:tgtEl>
+                                          <p:spTgt spid="2">
+                                            <p:txEl>
+                                              <p:pRg st="1" end="1"/>
+                                            </p:txEl>
+                                          </p:spTgt>
+                                        </p:tgtEl>
+                                      </p:cBhvr>
+                                    </p:animEffect>
+                                  </p:childTnLst>
+                                </p:cTn>
+                              </p:par>
+                            </p:childTnLst>
+                          </p:cTn>
+                        </p:par>
+                      </p:childTnLst>
+                    </p:cTn>
+                  </p:par>
+                  <p:par>
+                    <p:cTn id="13" fill="hold">
+                      <p:stCondLst>
+                        <p:cond delay="indefinite"/>
+                      </p:stCondLst>
+                      <p:childTnLst>
+                        <p:par>
+                          <p:cTn id="14" fill="hold">
+                            <p:stCondLst>
+                              <p:cond delay="0"/>
+                            </p:stCondLst>
+                            <p:childTnLst>
+                              <p:par>
+                                <p:cTn id="15" presetID="10" presetClass="entr" presetSubtype="0" fill="hold" grpId="0" nodeType="clickEffect">
+                                  <p:stCondLst>
+                                    <p:cond delay="0"/>
+                                  </p:stCondLst>
+                                  <p:childTnLst>
+                                    <p:set>
+                                      <p:cBhvr>
+                                        <p:cTn id="16" dur="1" fill="hold">
+                                          <p:stCondLst>
+                                            <p:cond delay="0"/>
+                                          </p:stCondLst>
+                                        </p:cTn>
+                                        <p:tgtEl>
+                                          <p:spTgt spid="2">
+                                            <p:txEl>
+                                              <p:pRg st="2" end="2"/>
+                                            </p:txEl>
+                                          </p:spTgt>
+                                        </p:tgtEl>
+                                        <p:attrNameLst>
+                                          <p:attrName>style.visibility</p:attrName>
+                                        </p:attrNameLst>
+                                      </p:cBhvr>
+                                      <p:to>
+                                        <p:strVal val="visible"/>
+                                      </p:to>
+                                    </p:set>
+                                    <p:animEffect transition="in" filter="fade">
+                                      <p:cBhvr>
+                                        <p:cTn id="17" dur="500"/>
+                                        <p:tgtEl>
+                                          <p:spTgt spid="2">
+                                            <p:txEl>
+                                              <p:pRg st="2" end="2"/>
+                                            </p:txEl>
+                                          </p:spTgt>
+                                        </p:tgtEl>
+                                      </p:cBhvr>
+                                    </p:animEffect>
+                                  </p:childTnLst>
+                                </p:cTn>
+                              </p:par>
+                            </p:childTnLst>
+                          </p:cTn>
+                        </p:par>
+                      </p:childTnLst>
+                    </p:cTn>
+                  </p:par>
+                  <p:par>
+                    <p:cTn id="18" fill="hold">
+                      <p:stCondLst>
+                        <p:cond delay="indefinite"/>
+                      </p:stCondLst>
+                      <p:childTnLst>
+                        <p:par>
+                          <p:cTn id="19" fill="hold">
+                            <p:stCondLst>
+                              <p:cond delay="0"/>
+                            </p:stCondLst>
+                            <p:childTnLst>
+                              <p:par>
+                                <p:cTn id="20" presetID="10" presetClass="entr" presetSubtype="0" fill="hold" grpId="0" nodeType="clickEffect">
+                                  <p:stCondLst>
+                                    <p:cond delay="0"/>
+                                  </p:stCondLst>
+                                  <p:childTnLst>
+                                    <p:set>
+                                      <p:cBhvr>
+                                        <p:cTn id="21" dur="1" fill="hold">
+                                          <p:stCondLst>
+                                            <p:cond delay="0"/>
+                                          </p:stCondLst>
+                                        </p:cTn>
+                                        <p:tgtEl>
+                                          <p:spTgt spid="2">
+                                            <p:txEl>
+                                              <p:pRg st="3" end="3"/>
+                                            </p:txEl>
+                                          </p:spTgt>
+                                        </p:tgtEl>
+                                        <p:attrNameLst>
+                                          <p:attrName>style.visibility</p:attrName>
+                                        </p:attrNameLst>
+                                      </p:cBhvr>
+                                      <p:to>
+                                        <p:strVal val="visible"/>
+                                      </p:to>
+                                    </p:set>
+                                    <p:animEffect transition="in" filter="fade">
+                                      <p:cBhvr>
+                                        <p:cTn id="22" dur="500"/>
+                                        <p:tgtEl>
+                                          <p:spTgt spid="2">
+                                            <p:txEl>
+                                              <p:pRg st="3" end="3"/>
+                                            </p:txEl>
+                                          </p:spTgt>
+                                        </p:tgtEl>
+                                      </p:cBhvr>
+                                    </p:animEffect>
+                                  </p:childTnLst>
+                                </p:cTn>
+                              </p:par>
+                            </p:childTnLst>
+                          </p:cTn>
+                        </p:par>
+                      </p:childTnLst>
+                    </p:cTn>
+                  </p:par>
+                  <p:par>
+                    <p:cTn id="23" fill="hold">
+                      <p:stCondLst>
+                        <p:cond delay="indefinite"/>
+                      </p:stCondLst>
+                      <p:childTnLst>
+                        <p:par>
+                          <p:cTn id="24" fill="hold">
+                            <p:stCondLst>
+                              <p:cond delay="0"/>
+                            </p:stCondLst>
+                            <p:childTnLst>
+                              <p:par>
+                                <p:cTn id="25" presetID="10" presetClass="entr" presetSubtype="0" fill="hold" grpId="0" nodeType="clickEffect">
+                                  <p:stCondLst>
+                                    <p:cond delay="0"/>
+                                  </p:stCondLst>
+                                  <p:childTnLst>
+                                    <p:set>
+                                      <p:cBhvr>
+                                        <p:cTn id="26" dur="1" fill="hold">
+                                          <p:stCondLst>
+                                            <p:cond delay="0"/>
+                                          </p:stCondLst>
+                                        </p:cTn>
+                                        <p:tgtEl>
+                                          <p:spTgt spid="2">
+                                            <p:txEl>
+                                              <p:pRg st="4" end="4"/>
+                                            </p:txEl>
+                                          </p:spTgt>
+                                        </p:tgtEl>
+                                        <p:attrNameLst>
+                                          <p:attrName>style.visibility</p:attrName>
+                                        </p:attrNameLst>
+                                      </p:cBhvr>
+                                      <p:to>
+                                        <p:strVal val="visible"/>
+                                      </p:to>
+                                    </p:set>
+                                    <p:animEffect transition="in" filter="fade">
+                                      <p:cBhvr>
+                                        <p:cTn id="27" dur="500"/>
+                                        <p:tgtEl>
+                                          <p:spTgt spid="2">
+                                            <p:txEl>
+                                              <p:pRg st="4" end="4"/>
+                                            </p:txEl>
+                                          </p:spTgt>
+                                        </p:tgtEl>
+                                      </p:cBhvr>
+                                    </p:animEffect>
+                                  </p:childTnLst>
+                                </p:cTn>
+                              </p:par>
+                            </p:childTnLst>
+                          </p:cTn>
+                        </p:par>
+                      </p:childTnLst>
+                    </p:cTn>
+                  </p:par>
+                  <p:par>
+                    <p:cTn id="28" fill="hold">
+                      <p:stCondLst>
+                        <p:cond delay="indefinite"/>
+                      </p:stCondLst>
+                      <p:childTnLst>
+                        <p:par>
+                          <p:cTn id="29" fill="hold">
+                            <p:stCondLst>
+                              <p:cond delay="0"/>
+                            </p:stCondLst>
+                            <p:childTnLst>
+                              <p:par>
+                                <p:cTn id="30" presetID="10" presetClass="entr" presetSubtype="0" fill="hold" grpId="0" nodeType="clickEffect">
+                                  <p:stCondLst>
+                                    <p:cond delay="0"/>
+                                  </p:stCondLst>
+                                  <p:childTnLst>
+                                    <p:set>
+                                      <p:cBhvr>
+                                        <p:cTn id="31" dur="1" fill="hold">
+                                          <p:stCondLst>
+                                            <p:cond delay="0"/>
+                                          </p:stCondLst>
+                                        </p:cTn>
+                                        <p:tgtEl>
+                                          <p:spTgt spid="2">
+                                            <p:txEl>
+                                              <p:pRg st="5" end="5"/>
+                                            </p:txEl>
+                                          </p:spTgt>
+                                        </p:tgtEl>
+                                        <p:attrNameLst>
+                                          <p:attrName>style.visibility</p:attrName>
+                                        </p:attrNameLst>
+                                      </p:cBhvr>
+                                      <p:to>
+                                        <p:strVal val="visible"/>
+                                      </p:to>
+                                    </p:set>
+                                    <p:animEffect transition="in" filter="fade">
+                                      <p:cBhvr>
+                                        <p:cTn id="32" dur="500"/>
+                                        <p:tgtEl>
+                                          <p:spTgt spid="2">
+                                            <p:txEl>
+                                              <p:pRg st="5" end="5"/>
+                                            </p:txEl>
+                                          </p:spTgt>
+                                        </p:tgtEl>
+                                      </p:cBhvr>
+                                    </p:animEffect>
+                                  </p:childTnLst>
+                                </p:cTn>
+                              </p:par>
+                            </p:childTnLst>
+                          </p:cTn>
+                        </p:par>
+                      </p:childTnLst>
+                    </p:cTn>
+                  </p:par>
+                </p:childTnLst>
+              </p:cTn>
+              <p:prevCondLst>
+                <p:cond evt="onPrev" delay="0">
+                  <p:tgtEl>
+                    <p:sldTgt/>
+                  </p:tgtEl>
+                </p:cond>
+              </p:prevCondLst>
+              <p:nextCondLst>
+                <p:cond evt="onNext" delay="0">
+                  <p:tgtEl>
+                    <p:sldTgt/>
+                  </p:tgtEl>
+                </p:cond>
+              </p:nextCondLst>
+            </p:seq>
+          </p:childTnLst>
+        </p:cTn>
+      </p:par>
+    </p:tnLst>
+    <p:bldLst>
+      <p:bldP spid="2" grpId="0" build="p"/>
+    </p:bldLst>
+  </p:timing>
 </p:sld>
 </file>
 
@@ -16341,6 +18574,484 @@
       </p:transition>
     </mc:Fallback>
   </mc:AlternateContent>
+  <p:timing>
+    <p:tnLst>
+      <p:par>
+        <p:cTn id="1" dur="indefinite" restart="never" nodeType="tmRoot">
+          <p:childTnLst>
+            <p:seq concurrent="1" nextAc="seek">
+              <p:cTn id="2" dur="indefinite" nodeType="mainSeq">
+                <p:childTnLst>
+                  <p:par>
+                    <p:cTn id="3" fill="hold">
+                      <p:stCondLst>
+                        <p:cond delay="indefinite"/>
+                      </p:stCondLst>
+                      <p:childTnLst>
+                        <p:par>
+                          <p:cTn id="4" fill="hold">
+                            <p:stCondLst>
+                              <p:cond delay="0"/>
+                            </p:stCondLst>
+                            <p:childTnLst>
+                              <p:par>
+                                <p:cTn id="5" presetID="10" presetClass="entr" presetSubtype="0" fill="hold" grpId="0" nodeType="clickEffect">
+                                  <p:stCondLst>
+                                    <p:cond delay="0"/>
+                                  </p:stCondLst>
+                                  <p:childTnLst>
+                                    <p:set>
+                                      <p:cBhvr>
+                                        <p:cTn id="6" dur="1" fill="hold">
+                                          <p:stCondLst>
+                                            <p:cond delay="0"/>
+                                          </p:stCondLst>
+                                        </p:cTn>
+                                        <p:tgtEl>
+                                          <p:spTgt spid="2">
+                                            <p:txEl>
+                                              <p:pRg st="0" end="0"/>
+                                            </p:txEl>
+                                          </p:spTgt>
+                                        </p:tgtEl>
+                                        <p:attrNameLst>
+                                          <p:attrName>style.visibility</p:attrName>
+                                        </p:attrNameLst>
+                                      </p:cBhvr>
+                                      <p:to>
+                                        <p:strVal val="visible"/>
+                                      </p:to>
+                                    </p:set>
+                                    <p:animEffect transition="in" filter="fade">
+                                      <p:cBhvr>
+                                        <p:cTn id="7" dur="500"/>
+                                        <p:tgtEl>
+                                          <p:spTgt spid="2">
+                                            <p:txEl>
+                                              <p:pRg st="0" end="0"/>
+                                            </p:txEl>
+                                          </p:spTgt>
+                                        </p:tgtEl>
+                                      </p:cBhvr>
+                                    </p:animEffect>
+                                  </p:childTnLst>
+                                </p:cTn>
+                              </p:par>
+                            </p:childTnLst>
+                          </p:cTn>
+                        </p:par>
+                      </p:childTnLst>
+                    </p:cTn>
+                  </p:par>
+                  <p:par>
+                    <p:cTn id="8" fill="hold">
+                      <p:stCondLst>
+                        <p:cond delay="indefinite"/>
+                      </p:stCondLst>
+                      <p:childTnLst>
+                        <p:par>
+                          <p:cTn id="9" fill="hold">
+                            <p:stCondLst>
+                              <p:cond delay="0"/>
+                            </p:stCondLst>
+                            <p:childTnLst>
+                              <p:par>
+                                <p:cTn id="10" presetID="10" presetClass="entr" presetSubtype="0" fill="hold" grpId="0" nodeType="clickEffect">
+                                  <p:stCondLst>
+                                    <p:cond delay="0"/>
+                                  </p:stCondLst>
+                                  <p:childTnLst>
+                                    <p:set>
+                                      <p:cBhvr>
+                                        <p:cTn id="11" dur="1" fill="hold">
+                                          <p:stCondLst>
+                                            <p:cond delay="0"/>
+                                          </p:stCondLst>
+                                        </p:cTn>
+                                        <p:tgtEl>
+                                          <p:spTgt spid="2">
+                                            <p:txEl>
+                                              <p:pRg st="1" end="1"/>
+                                            </p:txEl>
+                                          </p:spTgt>
+                                        </p:tgtEl>
+                                        <p:attrNameLst>
+                                          <p:attrName>style.visibility</p:attrName>
+                                        </p:attrNameLst>
+                                      </p:cBhvr>
+                                      <p:to>
+                                        <p:strVal val="visible"/>
+                                      </p:to>
+                                    </p:set>
+                                    <p:animEffect transition="in" filter="fade">
+                                      <p:cBhvr>
+                                        <p:cTn id="12" dur="500"/>
+                                        <p:tgtEl>
+                                          <p:spTgt spid="2">
+                                            <p:txEl>
+                                              <p:pRg st="1" end="1"/>
+                                            </p:txEl>
+                                          </p:spTgt>
+                                        </p:tgtEl>
+                                      </p:cBhvr>
+                                    </p:animEffect>
+                                  </p:childTnLst>
+                                </p:cTn>
+                              </p:par>
+                            </p:childTnLst>
+                          </p:cTn>
+                        </p:par>
+                      </p:childTnLst>
+                    </p:cTn>
+                  </p:par>
+                  <p:par>
+                    <p:cTn id="13" fill="hold">
+                      <p:stCondLst>
+                        <p:cond delay="indefinite"/>
+                      </p:stCondLst>
+                      <p:childTnLst>
+                        <p:par>
+                          <p:cTn id="14" fill="hold">
+                            <p:stCondLst>
+                              <p:cond delay="0"/>
+                            </p:stCondLst>
+                            <p:childTnLst>
+                              <p:par>
+                                <p:cTn id="15" presetID="10" presetClass="entr" presetSubtype="0" fill="hold" grpId="0" nodeType="clickEffect">
+                                  <p:stCondLst>
+                                    <p:cond delay="0"/>
+                                  </p:stCondLst>
+                                  <p:childTnLst>
+                                    <p:set>
+                                      <p:cBhvr>
+                                        <p:cTn id="16" dur="1" fill="hold">
+                                          <p:stCondLst>
+                                            <p:cond delay="0"/>
+                                          </p:stCondLst>
+                                        </p:cTn>
+                                        <p:tgtEl>
+                                          <p:spTgt spid="2">
+                                            <p:txEl>
+                                              <p:pRg st="2" end="2"/>
+                                            </p:txEl>
+                                          </p:spTgt>
+                                        </p:tgtEl>
+                                        <p:attrNameLst>
+                                          <p:attrName>style.visibility</p:attrName>
+                                        </p:attrNameLst>
+                                      </p:cBhvr>
+                                      <p:to>
+                                        <p:strVal val="visible"/>
+                                      </p:to>
+                                    </p:set>
+                                    <p:animEffect transition="in" filter="fade">
+                                      <p:cBhvr>
+                                        <p:cTn id="17" dur="500"/>
+                                        <p:tgtEl>
+                                          <p:spTgt spid="2">
+                                            <p:txEl>
+                                              <p:pRg st="2" end="2"/>
+                                            </p:txEl>
+                                          </p:spTgt>
+                                        </p:tgtEl>
+                                      </p:cBhvr>
+                                    </p:animEffect>
+                                  </p:childTnLst>
+                                </p:cTn>
+                              </p:par>
+                            </p:childTnLst>
+                          </p:cTn>
+                        </p:par>
+                      </p:childTnLst>
+                    </p:cTn>
+                  </p:par>
+                  <p:par>
+                    <p:cTn id="18" fill="hold">
+                      <p:stCondLst>
+                        <p:cond delay="indefinite"/>
+                      </p:stCondLst>
+                      <p:childTnLst>
+                        <p:par>
+                          <p:cTn id="19" fill="hold">
+                            <p:stCondLst>
+                              <p:cond delay="0"/>
+                            </p:stCondLst>
+                            <p:childTnLst>
+                              <p:par>
+                                <p:cTn id="20" presetID="10" presetClass="entr" presetSubtype="0" fill="hold" grpId="0" nodeType="clickEffect">
+                                  <p:stCondLst>
+                                    <p:cond delay="0"/>
+                                  </p:stCondLst>
+                                  <p:childTnLst>
+                                    <p:set>
+                                      <p:cBhvr>
+                                        <p:cTn id="21" dur="1" fill="hold">
+                                          <p:stCondLst>
+                                            <p:cond delay="0"/>
+                                          </p:stCondLst>
+                                        </p:cTn>
+                                        <p:tgtEl>
+                                          <p:spTgt spid="2">
+                                            <p:txEl>
+                                              <p:pRg st="3" end="3"/>
+                                            </p:txEl>
+                                          </p:spTgt>
+                                        </p:tgtEl>
+                                        <p:attrNameLst>
+                                          <p:attrName>style.visibility</p:attrName>
+                                        </p:attrNameLst>
+                                      </p:cBhvr>
+                                      <p:to>
+                                        <p:strVal val="visible"/>
+                                      </p:to>
+                                    </p:set>
+                                    <p:animEffect transition="in" filter="fade">
+                                      <p:cBhvr>
+                                        <p:cTn id="22" dur="500"/>
+                                        <p:tgtEl>
+                                          <p:spTgt spid="2">
+                                            <p:txEl>
+                                              <p:pRg st="3" end="3"/>
+                                            </p:txEl>
+                                          </p:spTgt>
+                                        </p:tgtEl>
+                                      </p:cBhvr>
+                                    </p:animEffect>
+                                  </p:childTnLst>
+                                </p:cTn>
+                              </p:par>
+                            </p:childTnLst>
+                          </p:cTn>
+                        </p:par>
+                      </p:childTnLst>
+                    </p:cTn>
+                  </p:par>
+                  <p:par>
+                    <p:cTn id="23" fill="hold">
+                      <p:stCondLst>
+                        <p:cond delay="indefinite"/>
+                      </p:stCondLst>
+                      <p:childTnLst>
+                        <p:par>
+                          <p:cTn id="24" fill="hold">
+                            <p:stCondLst>
+                              <p:cond delay="0"/>
+                            </p:stCondLst>
+                            <p:childTnLst>
+                              <p:par>
+                                <p:cTn id="25" presetID="10" presetClass="entr" presetSubtype="0" fill="hold" grpId="0" nodeType="clickEffect">
+                                  <p:stCondLst>
+                                    <p:cond delay="0"/>
+                                  </p:stCondLst>
+                                  <p:childTnLst>
+                                    <p:set>
+                                      <p:cBhvr>
+                                        <p:cTn id="26" dur="1" fill="hold">
+                                          <p:stCondLst>
+                                            <p:cond delay="0"/>
+                                          </p:stCondLst>
+                                        </p:cTn>
+                                        <p:tgtEl>
+                                          <p:spTgt spid="2">
+                                            <p:txEl>
+                                              <p:pRg st="4" end="4"/>
+                                            </p:txEl>
+                                          </p:spTgt>
+                                        </p:tgtEl>
+                                        <p:attrNameLst>
+                                          <p:attrName>style.visibility</p:attrName>
+                                        </p:attrNameLst>
+                                      </p:cBhvr>
+                                      <p:to>
+                                        <p:strVal val="visible"/>
+                                      </p:to>
+                                    </p:set>
+                                    <p:animEffect transition="in" filter="fade">
+                                      <p:cBhvr>
+                                        <p:cTn id="27" dur="500"/>
+                                        <p:tgtEl>
+                                          <p:spTgt spid="2">
+                                            <p:txEl>
+                                              <p:pRg st="4" end="4"/>
+                                            </p:txEl>
+                                          </p:spTgt>
+                                        </p:tgtEl>
+                                      </p:cBhvr>
+                                    </p:animEffect>
+                                  </p:childTnLst>
+                                </p:cTn>
+                              </p:par>
+                            </p:childTnLst>
+                          </p:cTn>
+                        </p:par>
+                      </p:childTnLst>
+                    </p:cTn>
+                  </p:par>
+                  <p:par>
+                    <p:cTn id="28" fill="hold">
+                      <p:stCondLst>
+                        <p:cond delay="indefinite"/>
+                      </p:stCondLst>
+                      <p:childTnLst>
+                        <p:par>
+                          <p:cTn id="29" fill="hold">
+                            <p:stCondLst>
+                              <p:cond delay="0"/>
+                            </p:stCondLst>
+                            <p:childTnLst>
+                              <p:par>
+                                <p:cTn id="30" presetID="10" presetClass="entr" presetSubtype="0" fill="hold" grpId="0" nodeType="clickEffect">
+                                  <p:stCondLst>
+                                    <p:cond delay="0"/>
+                                  </p:stCondLst>
+                                  <p:childTnLst>
+                                    <p:set>
+                                      <p:cBhvr>
+                                        <p:cTn id="31" dur="1" fill="hold">
+                                          <p:stCondLst>
+                                            <p:cond delay="0"/>
+                                          </p:stCondLst>
+                                        </p:cTn>
+                                        <p:tgtEl>
+                                          <p:spTgt spid="2">
+                                            <p:txEl>
+                                              <p:pRg st="5" end="5"/>
+                                            </p:txEl>
+                                          </p:spTgt>
+                                        </p:tgtEl>
+                                        <p:attrNameLst>
+                                          <p:attrName>style.visibility</p:attrName>
+                                        </p:attrNameLst>
+                                      </p:cBhvr>
+                                      <p:to>
+                                        <p:strVal val="visible"/>
+                                      </p:to>
+                                    </p:set>
+                                    <p:animEffect transition="in" filter="fade">
+                                      <p:cBhvr>
+                                        <p:cTn id="32" dur="500"/>
+                                        <p:tgtEl>
+                                          <p:spTgt spid="2">
+                                            <p:txEl>
+                                              <p:pRg st="5" end="5"/>
+                                            </p:txEl>
+                                          </p:spTgt>
+                                        </p:tgtEl>
+                                      </p:cBhvr>
+                                    </p:animEffect>
+                                  </p:childTnLst>
+                                </p:cTn>
+                              </p:par>
+                              <p:par>
+                                <p:cTn id="33" presetID="10" presetClass="entr" presetSubtype="0" fill="hold" grpId="0" nodeType="withEffect">
+                                  <p:stCondLst>
+                                    <p:cond delay="0"/>
+                                  </p:stCondLst>
+                                  <p:childTnLst>
+                                    <p:set>
+                                      <p:cBhvr>
+                                        <p:cTn id="34" dur="1" fill="hold">
+                                          <p:stCondLst>
+                                            <p:cond delay="0"/>
+                                          </p:stCondLst>
+                                        </p:cTn>
+                                        <p:tgtEl>
+                                          <p:spTgt spid="21"/>
+                                        </p:tgtEl>
+                                        <p:attrNameLst>
+                                          <p:attrName>style.visibility</p:attrName>
+                                        </p:attrNameLst>
+                                      </p:cBhvr>
+                                      <p:to>
+                                        <p:strVal val="visible"/>
+                                      </p:to>
+                                    </p:set>
+                                    <p:animEffect transition="in" filter="fade">
+                                      <p:cBhvr>
+                                        <p:cTn id="35" dur="500"/>
+                                        <p:tgtEl>
+                                          <p:spTgt spid="21"/>
+                                        </p:tgtEl>
+                                      </p:cBhvr>
+                                    </p:animEffect>
+                                  </p:childTnLst>
+                                </p:cTn>
+                              </p:par>
+                              <p:par>
+                                <p:cTn id="36" presetID="10" presetClass="entr" presetSubtype="0" fill="hold" grpId="0" nodeType="withEffect">
+                                  <p:stCondLst>
+                                    <p:cond delay="0"/>
+                                  </p:stCondLst>
+                                  <p:childTnLst>
+                                    <p:set>
+                                      <p:cBhvr>
+                                        <p:cTn id="37" dur="1" fill="hold">
+                                          <p:stCondLst>
+                                            <p:cond delay="0"/>
+                                          </p:stCondLst>
+                                        </p:cTn>
+                                        <p:tgtEl>
+                                          <p:spTgt spid="2">
+                                            <p:txEl>
+                                              <p:pRg st="6" end="6"/>
+                                            </p:txEl>
+                                          </p:spTgt>
+                                        </p:tgtEl>
+                                        <p:attrNameLst>
+                                          <p:attrName>style.visibility</p:attrName>
+                                        </p:attrNameLst>
+                                      </p:cBhvr>
+                                      <p:to>
+                                        <p:strVal val="visible"/>
+                                      </p:to>
+                                    </p:set>
+                                    <p:animEffect transition="in" filter="fade">
+                                      <p:cBhvr>
+                                        <p:cTn id="38" dur="500"/>
+                                        <p:tgtEl>
+                                          <p:spTgt spid="2">
+                                            <p:txEl>
+                                              <p:pRg st="6" end="6"/>
+                                            </p:txEl>
+                                          </p:spTgt>
+                                        </p:tgtEl>
+                                      </p:cBhvr>
+                                    </p:animEffect>
+                                  </p:childTnLst>
+                                </p:cTn>
+                              </p:par>
+                            </p:childTnLst>
+                          </p:cTn>
+                        </p:par>
+                      </p:childTnLst>
+                    </p:cTn>
+                  </p:par>
+                </p:childTnLst>
+              </p:cTn>
+              <p:prevCondLst>
+                <p:cond evt="onPrev" delay="0">
+                  <p:tgtEl>
+                    <p:sldTgt/>
+                  </p:tgtEl>
+                </p:cond>
+              </p:prevCondLst>
+              <p:nextCondLst>
+                <p:cond evt="onNext" delay="0">
+                  <p:tgtEl>
+                    <p:sldTgt/>
+                  </p:tgtEl>
+                </p:cond>
+              </p:nextCondLst>
+            </p:seq>
+          </p:childTnLst>
+        </p:cTn>
+      </p:par>
+    </p:tnLst>
+    <p:bldLst>
+      <p:bldP spid="2" grpId="0" uiExpand="1" build="p"/>
+      <p:bldP spid="21" grpId="0"/>
+    </p:bldLst>
+  </p:timing>
 </p:sld>
 </file>
 
@@ -16812,45 +19523,70 @@
           <a:bodyPr/>
           <a:lstStyle/>
           <a:p>
+            <a:pPr>
+              <a:buSzPct val="80000"/>
+              <a:buFont typeface="System Font Regular"/>
+              <a:buChar char="🚀"/>
+            </a:pPr>
             <a:r>
               <a:rPr lang="en-US" dirty="0"/>
-              <a:t>Drafting, rapid prototyping</a:t>
-            </a:r>
-          </a:p>
-          <a:p>
+              <a:t> Drafting, rapid prototyping</a:t>
+            </a:r>
+          </a:p>
+          <a:p>
+            <a:pPr>
+              <a:buSzPct val="80000"/>
+              <a:buFont typeface="System Font Regular"/>
+              <a:buChar char="📊"/>
+            </a:pPr>
             <a:r>
               <a:rPr lang="en-US" dirty="0"/>
-              <a:t>Creating visualizations</a:t>
-            </a:r>
-          </a:p>
-          <a:p>
+              <a:t> Creating visualizations</a:t>
+            </a:r>
+          </a:p>
+          <a:p>
+            <a:pPr>
+              <a:buSzPct val="80000"/>
+              <a:buFont typeface="System Font Regular"/>
+              <a:buChar char="📝"/>
+            </a:pPr>
             <a:r>
               <a:rPr lang="en-US" dirty="0"/>
-              <a:t>Reporting</a:t>
-            </a:r>
-          </a:p>
-          <a:p>
+              <a:t> Reporting</a:t>
+            </a:r>
+          </a:p>
+          <a:p>
+            <a:pPr>
+              <a:buSzPct val="80000"/>
+              <a:buFont typeface="System Font Regular"/>
+              <a:buChar char="🎓"/>
+            </a:pPr>
             <a:r>
               <a:rPr lang="en-US" dirty="0"/>
-              <a:t>Education and Teaching</a:t>
-            </a:r>
-          </a:p>
-          <a:p>
+              <a:t> Education and Teaching</a:t>
+            </a:r>
+          </a:p>
+          <a:p>
+            <a:pPr>
+              <a:buSzPct val="80000"/>
+              <a:buFont typeface="System Font Regular"/>
+              <a:buChar char="🔄"/>
+            </a:pPr>
             <a:r>
               <a:rPr lang="en-US" dirty="0"/>
-              <a:t>Stand-alone tasks that are not part of a bigger pipeline</a:t>
-            </a:r>
-          </a:p>
-          <a:p>
+              <a:t> Stand-alone tasks that are not part of a bigger pipeline</a:t>
+            </a:r>
+          </a:p>
+          <a:p>
+            <a:pPr>
+              <a:buSzPct val="80000"/>
+              <a:buFont typeface="System Font Regular"/>
+              <a:buChar char="♻️"/>
+            </a:pPr>
             <a:r>
               <a:rPr lang="en-US" dirty="0"/>
-              <a:t>When reusability of code is not </a:t>
-            </a:r>
-            <a:r>
-              <a:rPr lang="en-US"/>
-              <a:t>a concern</a:t>
-            </a:r>
-            <a:endParaRPr lang="en-US" dirty="0"/>
+              <a:t> When reusability of code is not a concern</a:t>
+            </a:r>
           </a:p>
         </p:txBody>
       </p:sp>
@@ -16971,6 +19707,405 @@
       </p:transition>
     </mc:Fallback>
   </mc:AlternateContent>
+  <p:timing>
+    <p:tnLst>
+      <p:par>
+        <p:cTn id="1" dur="indefinite" restart="never" nodeType="tmRoot">
+          <p:childTnLst>
+            <p:seq concurrent="1" nextAc="seek">
+              <p:cTn id="2" dur="indefinite" nodeType="mainSeq">
+                <p:childTnLst>
+                  <p:par>
+                    <p:cTn id="3" fill="hold">
+                      <p:stCondLst>
+                        <p:cond delay="indefinite"/>
+                      </p:stCondLst>
+                      <p:childTnLst>
+                        <p:par>
+                          <p:cTn id="4" fill="hold">
+                            <p:stCondLst>
+                              <p:cond delay="0"/>
+                            </p:stCondLst>
+                            <p:childTnLst>
+                              <p:par>
+                                <p:cTn id="5" presetID="10" presetClass="entr" presetSubtype="0" fill="hold" grpId="0" nodeType="clickEffect">
+                                  <p:stCondLst>
+                                    <p:cond delay="0"/>
+                                  </p:stCondLst>
+                                  <p:childTnLst>
+                                    <p:set>
+                                      <p:cBhvr>
+                                        <p:cTn id="6" dur="1" fill="hold">
+                                          <p:stCondLst>
+                                            <p:cond delay="0"/>
+                                          </p:stCondLst>
+                                        </p:cTn>
+                                        <p:tgtEl>
+                                          <p:spTgt spid="2">
+                                            <p:txEl>
+                                              <p:pRg st="0" end="0"/>
+                                            </p:txEl>
+                                          </p:spTgt>
+                                        </p:tgtEl>
+                                        <p:attrNameLst>
+                                          <p:attrName>style.visibility</p:attrName>
+                                        </p:attrNameLst>
+                                      </p:cBhvr>
+                                      <p:to>
+                                        <p:strVal val="visible"/>
+                                      </p:to>
+                                    </p:set>
+                                    <p:animEffect transition="in" filter="fade">
+                                      <p:cBhvr>
+                                        <p:cTn id="7" dur="500"/>
+                                        <p:tgtEl>
+                                          <p:spTgt spid="2">
+                                            <p:txEl>
+                                              <p:pRg st="0" end="0"/>
+                                            </p:txEl>
+                                          </p:spTgt>
+                                        </p:tgtEl>
+                                      </p:cBhvr>
+                                    </p:animEffect>
+                                  </p:childTnLst>
+                                </p:cTn>
+                              </p:par>
+                            </p:childTnLst>
+                          </p:cTn>
+                        </p:par>
+                      </p:childTnLst>
+                    </p:cTn>
+                  </p:par>
+                  <p:par>
+                    <p:cTn id="8" fill="hold">
+                      <p:stCondLst>
+                        <p:cond delay="indefinite"/>
+                      </p:stCondLst>
+                      <p:childTnLst>
+                        <p:par>
+                          <p:cTn id="9" fill="hold">
+                            <p:stCondLst>
+                              <p:cond delay="0"/>
+                            </p:stCondLst>
+                            <p:childTnLst>
+                              <p:par>
+                                <p:cTn id="10" presetID="10" presetClass="entr" presetSubtype="0" fill="hold" grpId="0" nodeType="clickEffect">
+                                  <p:stCondLst>
+                                    <p:cond delay="0"/>
+                                  </p:stCondLst>
+                                  <p:childTnLst>
+                                    <p:set>
+                                      <p:cBhvr>
+                                        <p:cTn id="11" dur="1" fill="hold">
+                                          <p:stCondLst>
+                                            <p:cond delay="0"/>
+                                          </p:stCondLst>
+                                        </p:cTn>
+                                        <p:tgtEl>
+                                          <p:spTgt spid="2">
+                                            <p:txEl>
+                                              <p:pRg st="1" end="1"/>
+                                            </p:txEl>
+                                          </p:spTgt>
+                                        </p:tgtEl>
+                                        <p:attrNameLst>
+                                          <p:attrName>style.visibility</p:attrName>
+                                        </p:attrNameLst>
+                                      </p:cBhvr>
+                                      <p:to>
+                                        <p:strVal val="visible"/>
+                                      </p:to>
+                                    </p:set>
+                                    <p:animEffect transition="in" filter="fade">
+                                      <p:cBhvr>
+                                        <p:cTn id="12" dur="500"/>
+                                        <p:tgtEl>
+                                          <p:spTgt spid="2">
+                                            <p:txEl>
+                                              <p:pRg st="1" end="1"/>
+                                            </p:txEl>
+                                          </p:spTgt>
+                                        </p:tgtEl>
+                                      </p:cBhvr>
+                                    </p:animEffect>
+                                  </p:childTnLst>
+                                </p:cTn>
+                              </p:par>
+                            </p:childTnLst>
+                          </p:cTn>
+                        </p:par>
+                      </p:childTnLst>
+                    </p:cTn>
+                  </p:par>
+                  <p:par>
+                    <p:cTn id="13" fill="hold">
+                      <p:stCondLst>
+                        <p:cond delay="indefinite"/>
+                      </p:stCondLst>
+                      <p:childTnLst>
+                        <p:par>
+                          <p:cTn id="14" fill="hold">
+                            <p:stCondLst>
+                              <p:cond delay="0"/>
+                            </p:stCondLst>
+                            <p:childTnLst>
+                              <p:par>
+                                <p:cTn id="15" presetID="10" presetClass="entr" presetSubtype="0" fill="hold" grpId="0" nodeType="clickEffect">
+                                  <p:stCondLst>
+                                    <p:cond delay="0"/>
+                                  </p:stCondLst>
+                                  <p:childTnLst>
+                                    <p:set>
+                                      <p:cBhvr>
+                                        <p:cTn id="16" dur="1" fill="hold">
+                                          <p:stCondLst>
+                                            <p:cond delay="0"/>
+                                          </p:stCondLst>
+                                        </p:cTn>
+                                        <p:tgtEl>
+                                          <p:spTgt spid="2">
+                                            <p:txEl>
+                                              <p:pRg st="2" end="2"/>
+                                            </p:txEl>
+                                          </p:spTgt>
+                                        </p:tgtEl>
+                                        <p:attrNameLst>
+                                          <p:attrName>style.visibility</p:attrName>
+                                        </p:attrNameLst>
+                                      </p:cBhvr>
+                                      <p:to>
+                                        <p:strVal val="visible"/>
+                                      </p:to>
+                                    </p:set>
+                                    <p:animEffect transition="in" filter="fade">
+                                      <p:cBhvr>
+                                        <p:cTn id="17" dur="500"/>
+                                        <p:tgtEl>
+                                          <p:spTgt spid="2">
+                                            <p:txEl>
+                                              <p:pRg st="2" end="2"/>
+                                            </p:txEl>
+                                          </p:spTgt>
+                                        </p:tgtEl>
+                                      </p:cBhvr>
+                                    </p:animEffect>
+                                  </p:childTnLst>
+                                </p:cTn>
+                              </p:par>
+                            </p:childTnLst>
+                          </p:cTn>
+                        </p:par>
+                      </p:childTnLst>
+                    </p:cTn>
+                  </p:par>
+                  <p:par>
+                    <p:cTn id="18" fill="hold">
+                      <p:stCondLst>
+                        <p:cond delay="indefinite"/>
+                      </p:stCondLst>
+                      <p:childTnLst>
+                        <p:par>
+                          <p:cTn id="19" fill="hold">
+                            <p:stCondLst>
+                              <p:cond delay="0"/>
+                            </p:stCondLst>
+                            <p:childTnLst>
+                              <p:par>
+                                <p:cTn id="20" presetID="10" presetClass="entr" presetSubtype="0" fill="hold" grpId="0" nodeType="clickEffect">
+                                  <p:stCondLst>
+                                    <p:cond delay="0"/>
+                                  </p:stCondLst>
+                                  <p:childTnLst>
+                                    <p:set>
+                                      <p:cBhvr>
+                                        <p:cTn id="21" dur="1" fill="hold">
+                                          <p:stCondLst>
+                                            <p:cond delay="0"/>
+                                          </p:stCondLst>
+                                        </p:cTn>
+                                        <p:tgtEl>
+                                          <p:spTgt spid="2">
+                                            <p:txEl>
+                                              <p:pRg st="3" end="3"/>
+                                            </p:txEl>
+                                          </p:spTgt>
+                                        </p:tgtEl>
+                                        <p:attrNameLst>
+                                          <p:attrName>style.visibility</p:attrName>
+                                        </p:attrNameLst>
+                                      </p:cBhvr>
+                                      <p:to>
+                                        <p:strVal val="visible"/>
+                                      </p:to>
+                                    </p:set>
+                                    <p:animEffect transition="in" filter="fade">
+                                      <p:cBhvr>
+                                        <p:cTn id="22" dur="500"/>
+                                        <p:tgtEl>
+                                          <p:spTgt spid="2">
+                                            <p:txEl>
+                                              <p:pRg st="3" end="3"/>
+                                            </p:txEl>
+                                          </p:spTgt>
+                                        </p:tgtEl>
+                                      </p:cBhvr>
+                                    </p:animEffect>
+                                  </p:childTnLst>
+                                </p:cTn>
+                              </p:par>
+                            </p:childTnLst>
+                          </p:cTn>
+                        </p:par>
+                      </p:childTnLst>
+                    </p:cTn>
+                  </p:par>
+                  <p:par>
+                    <p:cTn id="23" fill="hold">
+                      <p:stCondLst>
+                        <p:cond delay="indefinite"/>
+                      </p:stCondLst>
+                      <p:childTnLst>
+                        <p:par>
+                          <p:cTn id="24" fill="hold">
+                            <p:stCondLst>
+                              <p:cond delay="0"/>
+                            </p:stCondLst>
+                            <p:childTnLst>
+                              <p:par>
+                                <p:cTn id="25" presetID="10" presetClass="entr" presetSubtype="0" fill="hold" grpId="0" nodeType="clickEffect">
+                                  <p:stCondLst>
+                                    <p:cond delay="0"/>
+                                  </p:stCondLst>
+                                  <p:childTnLst>
+                                    <p:set>
+                                      <p:cBhvr>
+                                        <p:cTn id="26" dur="1" fill="hold">
+                                          <p:stCondLst>
+                                            <p:cond delay="0"/>
+                                          </p:stCondLst>
+                                        </p:cTn>
+                                        <p:tgtEl>
+                                          <p:spTgt spid="2">
+                                            <p:txEl>
+                                              <p:pRg st="4" end="4"/>
+                                            </p:txEl>
+                                          </p:spTgt>
+                                        </p:tgtEl>
+                                        <p:attrNameLst>
+                                          <p:attrName>style.visibility</p:attrName>
+                                        </p:attrNameLst>
+                                      </p:cBhvr>
+                                      <p:to>
+                                        <p:strVal val="visible"/>
+                                      </p:to>
+                                    </p:set>
+                                    <p:animEffect transition="in" filter="fade">
+                                      <p:cBhvr>
+                                        <p:cTn id="27" dur="500"/>
+                                        <p:tgtEl>
+                                          <p:spTgt spid="2">
+                                            <p:txEl>
+                                              <p:pRg st="4" end="4"/>
+                                            </p:txEl>
+                                          </p:spTgt>
+                                        </p:tgtEl>
+                                      </p:cBhvr>
+                                    </p:animEffect>
+                                  </p:childTnLst>
+                                </p:cTn>
+                              </p:par>
+                            </p:childTnLst>
+                          </p:cTn>
+                        </p:par>
+                      </p:childTnLst>
+                    </p:cTn>
+                  </p:par>
+                  <p:par>
+                    <p:cTn id="28" fill="hold">
+                      <p:stCondLst>
+                        <p:cond delay="indefinite"/>
+                      </p:stCondLst>
+                      <p:childTnLst>
+                        <p:par>
+                          <p:cTn id="29" fill="hold">
+                            <p:stCondLst>
+                              <p:cond delay="0"/>
+                            </p:stCondLst>
+                            <p:childTnLst>
+                              <p:par>
+                                <p:cTn id="30" presetID="10" presetClass="entr" presetSubtype="0" fill="hold" grpId="0" nodeType="clickEffect">
+                                  <p:stCondLst>
+                                    <p:cond delay="0"/>
+                                  </p:stCondLst>
+                                  <p:childTnLst>
+                                    <p:set>
+                                      <p:cBhvr>
+                                        <p:cTn id="31" dur="1" fill="hold">
+                                          <p:stCondLst>
+                                            <p:cond delay="0"/>
+                                          </p:stCondLst>
+                                        </p:cTn>
+                                        <p:tgtEl>
+                                          <p:spTgt spid="2">
+                                            <p:txEl>
+                                              <p:pRg st="5" end="5"/>
+                                            </p:txEl>
+                                          </p:spTgt>
+                                        </p:tgtEl>
+                                        <p:attrNameLst>
+                                          <p:attrName>style.visibility</p:attrName>
+                                        </p:attrNameLst>
+                                      </p:cBhvr>
+                                      <p:to>
+                                        <p:strVal val="visible"/>
+                                      </p:to>
+                                    </p:set>
+                                    <p:animEffect transition="in" filter="fade">
+                                      <p:cBhvr>
+                                        <p:cTn id="32" dur="500"/>
+                                        <p:tgtEl>
+                                          <p:spTgt spid="2">
+                                            <p:txEl>
+                                              <p:pRg st="5" end="5"/>
+                                            </p:txEl>
+                                          </p:spTgt>
+                                        </p:tgtEl>
+                                      </p:cBhvr>
+                                    </p:animEffect>
+                                  </p:childTnLst>
+                                </p:cTn>
+                              </p:par>
+                            </p:childTnLst>
+                          </p:cTn>
+                        </p:par>
+                      </p:childTnLst>
+                    </p:cTn>
+                  </p:par>
+                </p:childTnLst>
+              </p:cTn>
+              <p:prevCondLst>
+                <p:cond evt="onPrev" delay="0">
+                  <p:tgtEl>
+                    <p:sldTgt/>
+                  </p:tgtEl>
+                </p:cond>
+              </p:prevCondLst>
+              <p:nextCondLst>
+                <p:cond evt="onNext" delay="0">
+                  <p:tgtEl>
+                    <p:sldTgt/>
+                  </p:tgtEl>
+                </p:cond>
+              </p:nextCondLst>
+            </p:seq>
+          </p:childTnLst>
+        </p:cTn>
+      </p:par>
+    </p:tnLst>
+    <p:bldLst>
+      <p:bldP spid="2" grpId="0" build="p"/>
+    </p:bldLst>
+  </p:timing>
 </p:sld>
 </file>
 
@@ -17018,23 +20153,51 @@
           <a:lstStyle/>
           <a:p>
             <a:r>
+              <a:rPr lang="en-US" dirty="0">
+                <a:hlinkClick r:id="rId2"/>
+              </a:rPr>
+              <a:t>Widgets:</a:t>
+            </a:r>
+            <a:endParaRPr lang="en-US" dirty="0"/>
+          </a:p>
+          <a:p>
+            <a:pPr lvl="1"/>
+            <a:r>
               <a:rPr lang="en-US" dirty="0"/>
-              <a:t>Widgets</a:t>
-            </a:r>
-          </a:p>
-          <a:p>
-            <a:r>
-              <a:rPr lang="en-US" dirty="0" err="1"/>
+              <a:t>Graphical user interface controls (sliders, checkboxes, text inputs, …)</a:t>
+            </a:r>
+          </a:p>
+          <a:p>
+            <a:r>
+              <a:rPr lang="en-US" dirty="0">
+                <a:hlinkClick r:id="rId3"/>
+              </a:rPr>
               <a:t>Nbconvert</a:t>
             </a:r>
             <a:endParaRPr lang="en-US" dirty="0"/>
           </a:p>
           <a:p>
-            <a:r>
-              <a:rPr lang="en-US" dirty="0" err="1"/>
-              <a:t>Voilá</a:t>
+            <a:pPr lvl="1"/>
+            <a:r>
+              <a:rPr lang="en-US" dirty="0"/>
+              <a:t>Convert your notebook into a static format (PDF, HTML, LaTeX, Markdown, …)</a:t>
+            </a:r>
+          </a:p>
+          <a:p>
+            <a:r>
+              <a:rPr lang="en-US" dirty="0">
+                <a:hlinkClick r:id="rId4"/>
+              </a:rPr>
+              <a:t>Voilà</a:t>
             </a:r>
             <a:endParaRPr lang="en-US" dirty="0"/>
+          </a:p>
+          <a:p>
+            <a:pPr lvl="1"/>
+            <a:r>
+              <a:rPr lang="en-US" dirty="0"/>
+              <a:t>Turn your notebook into a dashboard or web app</a:t>
+            </a:r>
           </a:p>
         </p:txBody>
       </p:sp>
@@ -17142,6 +20305,274 @@
       </p:transition>
     </mc:Choice>
     <mc:Fallback xmlns="">
+      <p:transition spd="med">
+        <p:fade/>
+      </p:transition>
+    </mc:Fallback>
+  </mc:AlternateContent>
+</p:sld>
+</file>
+
+<file path=ppt/slides/slide22.xml><?xml version="1.0" encoding="utf-8"?>
+<p:sld xmlns:a="http://schemas.openxmlformats.org/drawingml/2006/main" xmlns:r="http://schemas.openxmlformats.org/officeDocument/2006/relationships" xmlns:p="http://schemas.openxmlformats.org/presentationml/2006/main">
+  <p:cSld>
+    <p:spTree>
+      <p:nvGrpSpPr>
+        <p:cNvPr id="1" name=""/>
+        <p:cNvGrpSpPr/>
+        <p:nvPr/>
+      </p:nvGrpSpPr>
+      <p:grpSpPr>
+        <a:xfrm>
+          <a:off x="0" y="0"/>
+          <a:ext cx="0" cy="0"/>
+          <a:chOff x="0" y="0"/>
+          <a:chExt cx="0" cy="0"/>
+        </a:xfrm>
+      </p:grpSpPr>
+      <p:sp>
+        <p:nvSpPr>
+          <p:cNvPr id="2" name="Title 1">
+            <a:extLst>
+              <a:ext uri="{FF2B5EF4-FFF2-40B4-BE49-F238E27FC236}">
+                <a16:creationId xmlns:a16="http://schemas.microsoft.com/office/drawing/2014/main" id="{8AD743A7-7A36-1CF7-B554-429BA1624D0C}"/>
+              </a:ext>
+            </a:extLst>
+          </p:cNvPr>
+          <p:cNvSpPr>
+            <a:spLocks noGrp="1"/>
+          </p:cNvSpPr>
+          <p:nvPr>
+            <p:ph type="title"/>
+          </p:nvPr>
+        </p:nvSpPr>
+        <p:spPr>
+          <a:xfrm>
+            <a:off x="324567" y="3429000"/>
+            <a:ext cx="7389409" cy="2015106"/>
+          </a:xfrm>
+        </p:spPr>
+        <p:txBody>
+          <a:bodyPr/>
+          <a:lstStyle/>
+          <a:p>
+            <a:r>
+              <a:rPr lang="en-US" dirty="0"/>
+              <a:t>Questions</a:t>
+            </a:r>
+          </a:p>
+        </p:txBody>
+      </p:sp>
+      <p:sp>
+        <p:nvSpPr>
+          <p:cNvPr id="4" name="Footer Placeholder 3">
+            <a:extLst>
+              <a:ext uri="{FF2B5EF4-FFF2-40B4-BE49-F238E27FC236}">
+                <a16:creationId xmlns:a16="http://schemas.microsoft.com/office/drawing/2014/main" id="{5A17F7E9-BA72-8B3B-D64A-0F81F8F9036C}"/>
+              </a:ext>
+            </a:extLst>
+          </p:cNvPr>
+          <p:cNvSpPr>
+            <a:spLocks noGrp="1"/>
+          </p:cNvSpPr>
+          <p:nvPr>
+            <p:ph type="ftr" sz="quarter" idx="11"/>
+          </p:nvPr>
+        </p:nvSpPr>
+        <p:spPr/>
+        <p:txBody>
+          <a:bodyPr/>
+          <a:lstStyle/>
+          <a:p>
+            <a:r>
+              <a:rPr lang="en-AU"/>
+              <a:t>Jupyter Notebooks 101</a:t>
+            </a:r>
+            <a:endParaRPr lang="en-AU" dirty="0"/>
+          </a:p>
+        </p:txBody>
+      </p:sp>
+      <p:sp>
+        <p:nvSpPr>
+          <p:cNvPr id="5" name="Slide Number Placeholder 4">
+            <a:extLst>
+              <a:ext uri="{FF2B5EF4-FFF2-40B4-BE49-F238E27FC236}">
+                <a16:creationId xmlns:a16="http://schemas.microsoft.com/office/drawing/2014/main" id="{1BBDCF33-F869-1DD8-097C-7EE4D2CDB586}"/>
+              </a:ext>
+            </a:extLst>
+          </p:cNvPr>
+          <p:cNvSpPr>
+            <a:spLocks noGrp="1"/>
+          </p:cNvSpPr>
+          <p:nvPr>
+            <p:ph type="sldNum" sz="quarter" idx="12"/>
+          </p:nvPr>
+        </p:nvSpPr>
+        <p:spPr/>
+        <p:txBody>
+          <a:bodyPr/>
+          <a:lstStyle/>
+          <a:p>
+            <a:fld id="{E917DE0E-AFB1-41FD-BC35-27DB61CA125F}" type="slidenum">
+              <a:rPr lang="en-AU" smtClean="0"/>
+              <a:pPr/>
+              <a:t>22</a:t>
+            </a:fld>
+            <a:endParaRPr lang="en-AU" dirty="0"/>
+          </a:p>
+        </p:txBody>
+      </p:sp>
+    </p:spTree>
+    <p:extLst>
+      <p:ext uri="{BB962C8B-B14F-4D97-AF65-F5344CB8AC3E}">
+        <p14:creationId xmlns:p14="http://schemas.microsoft.com/office/powerpoint/2010/main" val="2592400"/>
+      </p:ext>
+    </p:extLst>
+  </p:cSld>
+  <p:clrMapOvr>
+    <a:masterClrMapping/>
+  </p:clrMapOvr>
+  <mc:AlternateContent xmlns:mc="http://schemas.openxmlformats.org/markup-compatibility/2006" xmlns:p14="http://schemas.microsoft.com/office/powerpoint/2010/main">
+    <mc:Choice Requires="p14">
+      <p:transition spd="med" p14:dur="700">
+        <p:fade/>
+      </p:transition>
+    </mc:Choice>
+    <mc:Fallback xmlns="">
+      <p:transition spd="med">
+        <p:fade/>
+      </p:transition>
+    </mc:Fallback>
+  </mc:AlternateContent>
+</p:sld>
+</file>
+
+<file path=ppt/slides/slide23.xml><?xml version="1.0" encoding="utf-8"?>
+<p:sld xmlns:a="http://schemas.openxmlformats.org/drawingml/2006/main" xmlns:r="http://schemas.openxmlformats.org/officeDocument/2006/relationships" xmlns:p="http://schemas.openxmlformats.org/presentationml/2006/main">
+  <p:cSld>
+    <p:spTree>
+      <p:nvGrpSpPr>
+        <p:cNvPr id="1" name=""/>
+        <p:cNvGrpSpPr/>
+        <p:nvPr/>
+      </p:nvGrpSpPr>
+      <p:grpSpPr>
+        <a:xfrm>
+          <a:off x="0" y="0"/>
+          <a:ext cx="0" cy="0"/>
+          <a:chOff x="0" y="0"/>
+          <a:chExt cx="0" cy="0"/>
+        </a:xfrm>
+      </p:grpSpPr>
+      <p:sp>
+        <p:nvSpPr>
+          <p:cNvPr id="2" name="Title 1">
+            <a:extLst>
+              <a:ext uri="{FF2B5EF4-FFF2-40B4-BE49-F238E27FC236}">
+                <a16:creationId xmlns:a16="http://schemas.microsoft.com/office/drawing/2014/main" id="{8AD743A7-7A36-1CF7-B554-429BA1624D0C}"/>
+              </a:ext>
+            </a:extLst>
+          </p:cNvPr>
+          <p:cNvSpPr>
+            <a:spLocks noGrp="1"/>
+          </p:cNvSpPr>
+          <p:nvPr>
+            <p:ph type="title"/>
+          </p:nvPr>
+        </p:nvSpPr>
+        <p:spPr>
+          <a:xfrm>
+            <a:off x="324567" y="3429000"/>
+            <a:ext cx="7389409" cy="2015106"/>
+          </a:xfrm>
+        </p:spPr>
+        <p:txBody>
+          <a:bodyPr/>
+          <a:lstStyle/>
+          <a:p>
+            <a:r>
+              <a:rPr lang="en-US" dirty="0"/>
+              <a:t>Thank you.</a:t>
+            </a:r>
+          </a:p>
+        </p:txBody>
+      </p:sp>
+      <p:sp>
+        <p:nvSpPr>
+          <p:cNvPr id="4" name="Footer Placeholder 3">
+            <a:extLst>
+              <a:ext uri="{FF2B5EF4-FFF2-40B4-BE49-F238E27FC236}">
+                <a16:creationId xmlns:a16="http://schemas.microsoft.com/office/drawing/2014/main" id="{5A17F7E9-BA72-8B3B-D64A-0F81F8F9036C}"/>
+              </a:ext>
+            </a:extLst>
+          </p:cNvPr>
+          <p:cNvSpPr>
+            <a:spLocks noGrp="1"/>
+          </p:cNvSpPr>
+          <p:nvPr>
+            <p:ph type="ftr" sz="quarter" idx="11"/>
+          </p:nvPr>
+        </p:nvSpPr>
+        <p:spPr/>
+        <p:txBody>
+          <a:bodyPr/>
+          <a:lstStyle/>
+          <a:p>
+            <a:r>
+              <a:rPr lang="en-AU"/>
+              <a:t>Jupyter Notebooks 101</a:t>
+            </a:r>
+            <a:endParaRPr lang="en-AU" dirty="0"/>
+          </a:p>
+        </p:txBody>
+      </p:sp>
+      <p:sp>
+        <p:nvSpPr>
+          <p:cNvPr id="5" name="Slide Number Placeholder 4">
+            <a:extLst>
+              <a:ext uri="{FF2B5EF4-FFF2-40B4-BE49-F238E27FC236}">
+                <a16:creationId xmlns:a16="http://schemas.microsoft.com/office/drawing/2014/main" id="{1BBDCF33-F869-1DD8-097C-7EE4D2CDB586}"/>
+              </a:ext>
+            </a:extLst>
+          </p:cNvPr>
+          <p:cNvSpPr>
+            <a:spLocks noGrp="1"/>
+          </p:cNvSpPr>
+          <p:nvPr>
+            <p:ph type="sldNum" sz="quarter" idx="12"/>
+          </p:nvPr>
+        </p:nvSpPr>
+        <p:spPr/>
+        <p:txBody>
+          <a:bodyPr/>
+          <a:lstStyle/>
+          <a:p>
+            <a:fld id="{E917DE0E-AFB1-41FD-BC35-27DB61CA125F}" type="slidenum">
+              <a:rPr lang="en-AU" smtClean="0"/>
+              <a:pPr/>
+              <a:t>23</a:t>
+            </a:fld>
+            <a:endParaRPr lang="en-AU" dirty="0"/>
+          </a:p>
+        </p:txBody>
+      </p:sp>
+    </p:spTree>
+    <p:extLst>
+      <p:ext uri="{BB962C8B-B14F-4D97-AF65-F5344CB8AC3E}">
+        <p14:creationId xmlns:p14="http://schemas.microsoft.com/office/powerpoint/2010/main" val="3609802849"/>
+      </p:ext>
+    </p:extLst>
+  </p:cSld>
+  <p:clrMapOvr>
+    <a:masterClrMapping/>
+  </p:clrMapOvr>
+  <mc:AlternateContent xmlns:mc="http://schemas.openxmlformats.org/markup-compatibility/2006">
+    <mc:Choice xmlns:p14="http://schemas.microsoft.com/office/powerpoint/2010/main" Requires="p14">
+      <p:transition spd="med" p14:dur="700">
+        <p:fade/>
+      </p:transition>
+    </mc:Choice>
+    <mc:Fallback>
       <p:transition spd="med">
         <p:fade/>
       </p:transition>
@@ -17618,9 +21049,18 @@
   <p:clrMapOvr>
     <a:masterClrMapping/>
   </p:clrMapOvr>
-  <p:transition spd="slow">
-    <p:push dir="u"/>
-  </p:transition>
+  <mc:AlternateContent xmlns:mc="http://schemas.openxmlformats.org/markup-compatibility/2006">
+    <mc:Choice xmlns:p14="http://schemas.microsoft.com/office/powerpoint/2010/main" Requires="p14">
+      <p:transition spd="med" p14:dur="700">
+        <p:fade/>
+      </p:transition>
+    </mc:Choice>
+    <mc:Fallback>
+      <p:transition spd="med">
+        <p:fade/>
+      </p:transition>
+    </mc:Fallback>
+  </mc:AlternateContent>
 </p:sld>
 </file>
 
@@ -18238,9 +21678,18 @@
   <p:clrMapOvr>
     <a:masterClrMapping/>
   </p:clrMapOvr>
-  <p:transition spd="slow">
-    <p:push dir="u"/>
-  </p:transition>
+  <mc:AlternateContent xmlns:mc="http://schemas.openxmlformats.org/markup-compatibility/2006">
+    <mc:Choice xmlns:p14="http://schemas.microsoft.com/office/powerpoint/2010/main" Requires="p14">
+      <p:transition spd="med" p14:dur="700">
+        <p:fade/>
+      </p:transition>
+    </mc:Choice>
+    <mc:Fallback>
+      <p:transition spd="med">
+        <p:fade/>
+      </p:transition>
+    </mc:Fallback>
+  </mc:AlternateContent>
 </p:sld>
 </file>
 
@@ -18929,9 +22378,18 @@
   <p:clrMapOvr>
     <a:masterClrMapping/>
   </p:clrMapOvr>
-  <p:transition spd="slow">
-    <p:push dir="u"/>
-  </p:transition>
+  <mc:AlternateContent xmlns:mc="http://schemas.openxmlformats.org/markup-compatibility/2006">
+    <mc:Choice xmlns:p14="http://schemas.microsoft.com/office/powerpoint/2010/main" Requires="p14">
+      <p:transition spd="med" p14:dur="700">
+        <p:fade/>
+      </p:transition>
+    </mc:Choice>
+    <mc:Fallback>
+      <p:transition spd="med">
+        <p:fade/>
+      </p:transition>
+    </mc:Fallback>
+  </mc:AlternateContent>
 </p:sld>
 </file>
 
@@ -18975,9 +22433,10 @@
           </a:bodyPr>
           <a:lstStyle/>
           <a:p>
-            <a:pPr marL="4762" indent="0">
-              <a:buSzPct val="75000"/>
-              <a:buNone/>
+            <a:pPr marL="461962" indent="-457200">
+              <a:buSzPct val="80000"/>
+              <a:buFont typeface="System Font Regular"/>
+              <a:buChar char="☝️"/>
             </a:pPr>
             <a:r>
               <a:rPr lang="en-US" dirty="0" err="1">
@@ -18993,9 +22452,10 @@
             </a:r>
           </a:p>
           <a:p>
-            <a:pPr marL="4762" indent="0">
+            <a:pPr marL="461962" indent="-457200">
               <a:buSzPct val="75000"/>
-              <a:buNone/>
+              <a:buFont typeface="System Font Regular"/>
+              <a:buChar char="⏭️"/>
             </a:pPr>
             <a:r>
               <a:rPr lang="en-US" dirty="0">
@@ -19005,9 +22465,10 @@
             </a:r>
           </a:p>
           <a:p>
-            <a:pPr marL="4762" indent="0">
+            <a:pPr marL="461962" indent="-457200">
               <a:buSzPct val="75000"/>
-              <a:buNone/>
+              <a:buFont typeface="System Font Regular"/>
+              <a:buChar char="😵‍💫"/>
             </a:pPr>
             <a:r>
               <a:rPr lang="en-US" dirty="0">
@@ -19029,9 +22490,10 @@
             </a:r>
           </a:p>
           <a:p>
-            <a:pPr marL="4762" indent="0">
+            <a:pPr marL="461962" indent="-457200">
               <a:buSzPct val="75000"/>
-              <a:buNone/>
+              <a:buFont typeface="System Font Regular"/>
+              <a:buChar char="👿"/>
             </a:pPr>
             <a:r>
               <a:rPr lang="en-US" dirty="0">
@@ -19148,7 +22610,7 @@
     <a:masterClrMapping/>
   </p:clrMapOvr>
   <p:transition spd="slow">
-    <p:push dir="u"/>
+    <p:push/>
   </p:transition>
   <p:timing>
     <p:tnLst>

--- a/ppt/Jupyter-Notebooks-101.pptx
+++ b/ppt/Jupyter-Notebooks-101.pptx
@@ -278,7 +278,7 @@
           <a:p>
             <a:fld id="{412A36AD-C140-47B5-A0AA-2808AF1C1C9D}" type="datetimeFigureOut">
               <a:rPr lang="en-AU" smtClean="0"/>
-              <a:t>14/9/2023</a:t>
+              <a:t>20/9/2023</a:t>
             </a:fld>
             <a:endParaRPr lang="en-AU"/>
           </a:p>
@@ -443,7 +443,7 @@
           <a:p>
             <a:fld id="{2763829E-EB69-4A98-9D54-8D6822520B27}" type="datetimeFigureOut">
               <a:rPr lang="en-AU" smtClean="0"/>
-              <a:t>14/9/2023</a:t>
+              <a:t>20/9/2023</a:t>
             </a:fld>
             <a:endParaRPr lang="en-AU"/>
           </a:p>
@@ -10978,13 +10978,13 @@
   <p:clrMapOvr>
     <a:masterClrMapping/>
   </p:clrMapOvr>
-  <mc:AlternateContent xmlns:mc="http://schemas.openxmlformats.org/markup-compatibility/2006">
-    <mc:Choice xmlns:p14="http://schemas.microsoft.com/office/powerpoint/2010/main" Requires="p14">
+  <mc:AlternateContent xmlns:mc="http://schemas.openxmlformats.org/markup-compatibility/2006" xmlns:p14="http://schemas.microsoft.com/office/powerpoint/2010/main">
+    <mc:Choice Requires="p14">
       <p:transition spd="med" p14:dur="700">
         <p:fade/>
       </p:transition>
     </mc:Choice>
-    <mc:Fallback>
+    <mc:Fallback xmlns="">
       <p:transition spd="med">
         <p:fade/>
       </p:transition>
@@ -11602,13 +11602,13 @@
   <p:clrMapOvr>
     <a:masterClrMapping/>
   </p:clrMapOvr>
-  <mc:AlternateContent xmlns:mc="http://schemas.openxmlformats.org/markup-compatibility/2006">
-    <mc:Choice xmlns:p14="http://schemas.microsoft.com/office/powerpoint/2010/main" Requires="p14">
+  <mc:AlternateContent xmlns:mc="http://schemas.openxmlformats.org/markup-compatibility/2006" xmlns:p14="http://schemas.microsoft.com/office/powerpoint/2010/main">
+    <mc:Choice Requires="p14">
       <p:transition spd="med" p14:dur="700">
         <p:fade/>
       </p:transition>
     </mc:Choice>
-    <mc:Fallback>
+    <mc:Fallback xmlns="">
       <p:transition spd="med">
         <p:fade/>
       </p:transition>
@@ -12037,13 +12037,13 @@
   <p:clrMapOvr>
     <a:masterClrMapping/>
   </p:clrMapOvr>
-  <mc:AlternateContent xmlns:mc="http://schemas.openxmlformats.org/markup-compatibility/2006">
-    <mc:Choice xmlns:p14="http://schemas.microsoft.com/office/powerpoint/2010/main" Requires="p14">
+  <mc:AlternateContent xmlns:mc="http://schemas.openxmlformats.org/markup-compatibility/2006" xmlns:p14="http://schemas.microsoft.com/office/powerpoint/2010/main">
+    <mc:Choice Requires="p14">
       <p:transition spd="med" p14:dur="700">
         <p:fade/>
       </p:transition>
     </mc:Choice>
-    <mc:Fallback>
+    <mc:Fallback xmlns="">
       <p:transition spd="med">
         <p:fade/>
       </p:transition>
@@ -13020,13 +13020,13 @@
   <p:clrMapOvr>
     <a:masterClrMapping/>
   </p:clrMapOvr>
-  <mc:AlternateContent xmlns:mc="http://schemas.openxmlformats.org/markup-compatibility/2006">
-    <mc:Choice xmlns:p14="http://schemas.microsoft.com/office/powerpoint/2010/main" Requires="p14">
+  <mc:AlternateContent xmlns:mc="http://schemas.openxmlformats.org/markup-compatibility/2006" xmlns:p14="http://schemas.microsoft.com/office/powerpoint/2010/main">
+    <mc:Choice Requires="p14">
       <p:transition spd="med" p14:dur="700">
         <p:fade/>
       </p:transition>
     </mc:Choice>
-    <mc:Fallback>
+    <mc:Fallback xmlns="">
       <p:transition spd="med">
         <p:fade/>
       </p:transition>
@@ -13869,13 +13869,13 @@
   <p:clrMapOvr>
     <a:masterClrMapping/>
   </p:clrMapOvr>
-  <mc:AlternateContent xmlns:mc="http://schemas.openxmlformats.org/markup-compatibility/2006">
-    <mc:Choice xmlns:p14="http://schemas.microsoft.com/office/powerpoint/2010/main" Requires="p14">
+  <mc:AlternateContent xmlns:mc="http://schemas.openxmlformats.org/markup-compatibility/2006" xmlns:p14="http://schemas.microsoft.com/office/powerpoint/2010/main">
+    <mc:Choice Requires="p14">
       <p:transition spd="med" p14:dur="700">
         <p:fade/>
       </p:transition>
     </mc:Choice>
-    <mc:Fallback>
+    <mc:Fallback xmlns="">
       <p:transition spd="med">
         <p:fade/>
       </p:transition>
@@ -14575,13 +14575,13 @@
   <p:clrMapOvr>
     <a:masterClrMapping/>
   </p:clrMapOvr>
-  <mc:AlternateContent xmlns:mc="http://schemas.openxmlformats.org/markup-compatibility/2006">
-    <mc:Choice xmlns:p14="http://schemas.microsoft.com/office/powerpoint/2010/main" Requires="p14">
+  <mc:AlternateContent xmlns:mc="http://schemas.openxmlformats.org/markup-compatibility/2006" xmlns:p14="http://schemas.microsoft.com/office/powerpoint/2010/main">
+    <mc:Choice Requires="p14">
       <p:transition spd="med" p14:dur="700">
         <p:fade/>
       </p:transition>
     </mc:Choice>
-    <mc:Fallback>
+    <mc:Fallback xmlns="">
       <p:transition spd="med">
         <p:fade/>
       </p:transition>
@@ -15278,13 +15278,13 @@
   <p:clrMapOvr>
     <a:masterClrMapping/>
   </p:clrMapOvr>
-  <mc:AlternateContent xmlns:mc="http://schemas.openxmlformats.org/markup-compatibility/2006">
-    <mc:Choice xmlns:p14="http://schemas.microsoft.com/office/powerpoint/2010/main" Requires="p14">
+  <mc:AlternateContent xmlns:mc="http://schemas.openxmlformats.org/markup-compatibility/2006" xmlns:p14="http://schemas.microsoft.com/office/powerpoint/2010/main">
+    <mc:Choice Requires="p14">
       <p:transition spd="med" p14:dur="700">
         <p:fade/>
       </p:transition>
     </mc:Choice>
-    <mc:Fallback>
+    <mc:Fallback xmlns="">
       <p:transition spd="med">
         <p:fade/>
       </p:transition>
@@ -15705,13 +15705,13 @@
   <p:clrMapOvr>
     <a:masterClrMapping/>
   </p:clrMapOvr>
-  <mc:AlternateContent xmlns:mc="http://schemas.openxmlformats.org/markup-compatibility/2006">
-    <mc:Choice xmlns:p14="http://schemas.microsoft.com/office/powerpoint/2010/main" Requires="p14">
+  <mc:AlternateContent xmlns:mc="http://schemas.openxmlformats.org/markup-compatibility/2006" xmlns:p14="http://schemas.microsoft.com/office/powerpoint/2010/main">
+    <mc:Choice Requires="p14">
       <p:transition spd="med" p14:dur="700">
         <p:fade/>
       </p:transition>
     </mc:Choice>
-    <mc:Fallback>
+    <mc:Fallback xmlns="">
       <p:transition spd="med">
         <p:fade/>
       </p:transition>
@@ -20566,13 +20566,13 @@
   <p:clrMapOvr>
     <a:masterClrMapping/>
   </p:clrMapOvr>
-  <mc:AlternateContent xmlns:mc="http://schemas.openxmlformats.org/markup-compatibility/2006">
-    <mc:Choice xmlns:p14="http://schemas.microsoft.com/office/powerpoint/2010/main" Requires="p14">
+  <mc:AlternateContent xmlns:mc="http://schemas.openxmlformats.org/markup-compatibility/2006" xmlns:p14="http://schemas.microsoft.com/office/powerpoint/2010/main">
+    <mc:Choice Requires="p14">
       <p:transition spd="med" p14:dur="700">
         <p:fade/>
       </p:transition>
     </mc:Choice>
-    <mc:Fallback>
+    <mc:Fallback xmlns="">
       <p:transition spd="med">
         <p:fade/>
       </p:transition>
@@ -21049,13 +21049,13 @@
   <p:clrMapOvr>
     <a:masterClrMapping/>
   </p:clrMapOvr>
-  <mc:AlternateContent xmlns:mc="http://schemas.openxmlformats.org/markup-compatibility/2006">
-    <mc:Choice xmlns:p14="http://schemas.microsoft.com/office/powerpoint/2010/main" Requires="p14">
+  <mc:AlternateContent xmlns:mc="http://schemas.openxmlformats.org/markup-compatibility/2006" xmlns:p14="http://schemas.microsoft.com/office/powerpoint/2010/main">
+    <mc:Choice Requires="p14">
       <p:transition spd="med" p14:dur="700">
         <p:fade/>
       </p:transition>
     </mc:Choice>
-    <mc:Fallback>
+    <mc:Fallback xmlns="">
       <p:transition spd="med">
         <p:fade/>
       </p:transition>
@@ -21678,13 +21678,13 @@
   <p:clrMapOvr>
     <a:masterClrMapping/>
   </p:clrMapOvr>
-  <mc:AlternateContent xmlns:mc="http://schemas.openxmlformats.org/markup-compatibility/2006">
-    <mc:Choice xmlns:p14="http://schemas.microsoft.com/office/powerpoint/2010/main" Requires="p14">
+  <mc:AlternateContent xmlns:mc="http://schemas.openxmlformats.org/markup-compatibility/2006" xmlns:p14="http://schemas.microsoft.com/office/powerpoint/2010/main">
+    <mc:Choice Requires="p14">
       <p:transition spd="med" p14:dur="700">
         <p:fade/>
       </p:transition>
     </mc:Choice>
-    <mc:Fallback>
+    <mc:Fallback xmlns="">
       <p:transition spd="med">
         <p:fade/>
       </p:transition>
@@ -22378,13 +22378,13 @@
   <p:clrMapOvr>
     <a:masterClrMapping/>
   </p:clrMapOvr>
-  <mc:AlternateContent xmlns:mc="http://schemas.openxmlformats.org/markup-compatibility/2006">
-    <mc:Choice xmlns:p14="http://schemas.microsoft.com/office/powerpoint/2010/main" Requires="p14">
+  <mc:AlternateContent xmlns:mc="http://schemas.openxmlformats.org/markup-compatibility/2006" xmlns:p14="http://schemas.microsoft.com/office/powerpoint/2010/main">
+    <mc:Choice Requires="p14">
       <p:transition spd="med" p14:dur="700">
         <p:fade/>
       </p:transition>
     </mc:Choice>
-    <mc:Fallback>
+    <mc:Fallback xmlns="">
       <p:transition spd="med">
         <p:fade/>
       </p:transition>
